--- a/7poster/poster.pptx
+++ b/7poster/poster.pptx
@@ -64,7 +64,7 @@
         <p:spPr>
           <a:xfrm>
             <a:off x="1513800" y="1707840"/>
-            <a:ext cx="27251280" cy="7147800"/>
+            <a:ext cx="27250560" cy="7147080"/>
           </a:xfrm>
           <a:prstGeom prst="rect">
             <a:avLst/>
@@ -101,7 +101,7 @@
         <p:spPr>
           <a:xfrm>
             <a:off x="1513800" y="10016280"/>
-            <a:ext cx="27251280" cy="11842200"/>
+            <a:ext cx="27250920" cy="11841840"/>
           </a:xfrm>
           <a:prstGeom prst="rect">
             <a:avLst/>
@@ -136,8 +136,8 @@
         </p:nvSpPr>
         <p:spPr>
           <a:xfrm>
-            <a:off x="1513800" y="22983840"/>
-            <a:ext cx="27251280" cy="11842200"/>
+            <a:off x="1513800" y="22983480"/>
+            <a:ext cx="27250920" cy="11841840"/>
           </a:xfrm>
           <a:prstGeom prst="rect">
             <a:avLst/>
@@ -195,7 +195,7 @@
         <p:spPr>
           <a:xfrm>
             <a:off x="1513800" y="1707840"/>
-            <a:ext cx="27251280" cy="7147800"/>
+            <a:ext cx="27250560" cy="7147080"/>
           </a:xfrm>
           <a:prstGeom prst="rect">
             <a:avLst/>
@@ -232,7 +232,7 @@
         <p:spPr>
           <a:xfrm>
             <a:off x="1513800" y="10016280"/>
-            <a:ext cx="13298400" cy="11842200"/>
+            <a:ext cx="13298400" cy="11841840"/>
           </a:xfrm>
           <a:prstGeom prst="rect">
             <a:avLst/>
@@ -268,7 +268,7 @@
         <p:spPr>
           <a:xfrm>
             <a:off x="15477480" y="10016280"/>
-            <a:ext cx="13298400" cy="11842200"/>
+            <a:ext cx="13298400" cy="11841840"/>
           </a:xfrm>
           <a:prstGeom prst="rect">
             <a:avLst/>
@@ -303,8 +303,8 @@
         </p:nvSpPr>
         <p:spPr>
           <a:xfrm>
-            <a:off x="15477480" y="22983840"/>
-            <a:ext cx="13298400" cy="11842200"/>
+            <a:off x="15477480" y="22983480"/>
+            <a:ext cx="13298400" cy="11841840"/>
           </a:xfrm>
           <a:prstGeom prst="rect">
             <a:avLst/>
@@ -339,8 +339,8 @@
         </p:nvSpPr>
         <p:spPr>
           <a:xfrm>
-            <a:off x="1513800" y="22983840"/>
-            <a:ext cx="13298400" cy="11842200"/>
+            <a:off x="1513800" y="22983480"/>
+            <a:ext cx="13298400" cy="11841840"/>
           </a:xfrm>
           <a:prstGeom prst="rect">
             <a:avLst/>
@@ -398,7 +398,7 @@
         <p:spPr>
           <a:xfrm>
             <a:off x="1513800" y="1707840"/>
-            <a:ext cx="27251280" cy="7147800"/>
+            <a:ext cx="27250560" cy="7147080"/>
           </a:xfrm>
           <a:prstGeom prst="rect">
             <a:avLst/>
@@ -435,7 +435,7 @@
         <p:spPr>
           <a:xfrm>
             <a:off x="1513800" y="10016280"/>
-            <a:ext cx="27251280" cy="24826680"/>
+            <a:ext cx="27250920" cy="24826320"/>
           </a:xfrm>
           <a:prstGeom prst="rect">
             <a:avLst/>
@@ -471,7 +471,7 @@
         <p:spPr>
           <a:xfrm>
             <a:off x="1513800" y="10016280"/>
-            <a:ext cx="27251280" cy="24826680"/>
+            <a:ext cx="27250920" cy="24826320"/>
           </a:xfrm>
           <a:prstGeom prst="rect">
             <a:avLst/>
@@ -506,8 +506,8 @@
         </p:blipFill>
         <p:spPr>
           <a:xfrm>
-            <a:off x="1513800" y="11557800"/>
-            <a:ext cx="27251280" cy="21742920"/>
+            <a:off x="1513440" y="11558160"/>
+            <a:ext cx="27250920" cy="21742560"/>
           </a:xfrm>
           <a:prstGeom prst="rect">
             <a:avLst/>
@@ -529,8 +529,8 @@
         </p:blipFill>
         <p:spPr>
           <a:xfrm>
-            <a:off x="1513800" y="11557800"/>
-            <a:ext cx="27251280" cy="21742920"/>
+            <a:off x="1513440" y="11558160"/>
+            <a:ext cx="27250920" cy="21742560"/>
           </a:xfrm>
           <a:prstGeom prst="rect">
             <a:avLst/>
@@ -575,7 +575,7 @@
         <p:spPr>
           <a:xfrm>
             <a:off x="1513800" y="1707840"/>
-            <a:ext cx="27251280" cy="7147800"/>
+            <a:ext cx="27250560" cy="7147080"/>
           </a:xfrm>
           <a:prstGeom prst="rect">
             <a:avLst/>
@@ -612,7 +612,7 @@
         <p:spPr>
           <a:xfrm>
             <a:off x="1513800" y="10016280"/>
-            <a:ext cx="27251280" cy="24826680"/>
+            <a:ext cx="27250920" cy="24826320"/>
           </a:xfrm>
           <a:prstGeom prst="rect">
             <a:avLst/>
@@ -671,7 +671,7 @@
         <p:spPr>
           <a:xfrm>
             <a:off x="1513800" y="1707840"/>
-            <a:ext cx="27251280" cy="7147800"/>
+            <a:ext cx="27250560" cy="7147080"/>
           </a:xfrm>
           <a:prstGeom prst="rect">
             <a:avLst/>
@@ -708,7 +708,7 @@
         <p:spPr>
           <a:xfrm>
             <a:off x="1513800" y="10016280"/>
-            <a:ext cx="27251280" cy="24826680"/>
+            <a:ext cx="27250920" cy="24826320"/>
           </a:xfrm>
           <a:prstGeom prst="rect">
             <a:avLst/>
@@ -766,7 +766,7 @@
         <p:spPr>
           <a:xfrm>
             <a:off x="1513800" y="1707840"/>
-            <a:ext cx="27251280" cy="7147800"/>
+            <a:ext cx="27250560" cy="7147080"/>
           </a:xfrm>
           <a:prstGeom prst="rect">
             <a:avLst/>
@@ -803,7 +803,7 @@
         <p:spPr>
           <a:xfrm>
             <a:off x="1513800" y="10016280"/>
-            <a:ext cx="13298400" cy="24826680"/>
+            <a:ext cx="13298400" cy="24826320"/>
           </a:xfrm>
           <a:prstGeom prst="rect">
             <a:avLst/>
@@ -839,7 +839,7 @@
         <p:spPr>
           <a:xfrm>
             <a:off x="15477480" y="10016280"/>
-            <a:ext cx="13298400" cy="24826680"/>
+            <a:ext cx="13298400" cy="24826320"/>
           </a:xfrm>
           <a:prstGeom prst="rect">
             <a:avLst/>
@@ -897,7 +897,7 @@
         <p:spPr>
           <a:xfrm>
             <a:off x="1513800" y="1707840"/>
-            <a:ext cx="27251280" cy="7147800"/>
+            <a:ext cx="27250560" cy="7147080"/>
           </a:xfrm>
           <a:prstGeom prst="rect">
             <a:avLst/>
@@ -956,7 +956,7 @@
         <p:spPr>
           <a:xfrm>
             <a:off x="1513800" y="1707840"/>
-            <a:ext cx="27251280" cy="33134400"/>
+            <a:ext cx="27250560" cy="33130800"/>
           </a:xfrm>
           <a:prstGeom prst="rect">
             <a:avLst/>
@@ -1015,7 +1015,7 @@
         <p:spPr>
           <a:xfrm>
             <a:off x="1513800" y="1707840"/>
-            <a:ext cx="27251280" cy="7147800"/>
+            <a:ext cx="27250560" cy="7147080"/>
           </a:xfrm>
           <a:prstGeom prst="rect">
             <a:avLst/>
@@ -1052,7 +1052,7 @@
         <p:spPr>
           <a:xfrm>
             <a:off x="1513800" y="10016280"/>
-            <a:ext cx="13298400" cy="11842200"/>
+            <a:ext cx="13298400" cy="11841840"/>
           </a:xfrm>
           <a:prstGeom prst="rect">
             <a:avLst/>
@@ -1087,8 +1087,8 @@
         </p:nvSpPr>
         <p:spPr>
           <a:xfrm>
-            <a:off x="1513800" y="22983840"/>
-            <a:ext cx="13298400" cy="11842200"/>
+            <a:off x="1513800" y="22983480"/>
+            <a:ext cx="13298400" cy="11841840"/>
           </a:xfrm>
           <a:prstGeom prst="rect">
             <a:avLst/>
@@ -1124,7 +1124,7 @@
         <p:spPr>
           <a:xfrm>
             <a:off x="15477480" y="10016280"/>
-            <a:ext cx="13298400" cy="24826680"/>
+            <a:ext cx="13298400" cy="24826320"/>
           </a:xfrm>
           <a:prstGeom prst="rect">
             <a:avLst/>
@@ -1182,7 +1182,7 @@
         <p:spPr>
           <a:xfrm>
             <a:off x="1513800" y="1707840"/>
-            <a:ext cx="27251280" cy="7147800"/>
+            <a:ext cx="27250560" cy="7147080"/>
           </a:xfrm>
           <a:prstGeom prst="rect">
             <a:avLst/>
@@ -1219,7 +1219,7 @@
         <p:spPr>
           <a:xfrm>
             <a:off x="1513800" y="10016280"/>
-            <a:ext cx="13298400" cy="24826680"/>
+            <a:ext cx="13298400" cy="24826320"/>
           </a:xfrm>
           <a:prstGeom prst="rect">
             <a:avLst/>
@@ -1255,7 +1255,7 @@
         <p:spPr>
           <a:xfrm>
             <a:off x="15477480" y="10016280"/>
-            <a:ext cx="13298400" cy="11842200"/>
+            <a:ext cx="13298400" cy="11841840"/>
           </a:xfrm>
           <a:prstGeom prst="rect">
             <a:avLst/>
@@ -1290,8 +1290,8 @@
         </p:nvSpPr>
         <p:spPr>
           <a:xfrm>
-            <a:off x="15477480" y="22983840"/>
-            <a:ext cx="13298400" cy="11842200"/>
+            <a:off x="15477480" y="22983480"/>
+            <a:ext cx="13298400" cy="11841840"/>
           </a:xfrm>
           <a:prstGeom prst="rect">
             <a:avLst/>
@@ -1349,7 +1349,7 @@
         <p:spPr>
           <a:xfrm>
             <a:off x="1513800" y="1707840"/>
-            <a:ext cx="27251280" cy="7147800"/>
+            <a:ext cx="27250560" cy="7147080"/>
           </a:xfrm>
           <a:prstGeom prst="rect">
             <a:avLst/>
@@ -1386,7 +1386,7 @@
         <p:spPr>
           <a:xfrm>
             <a:off x="1513800" y="10016280"/>
-            <a:ext cx="13298400" cy="11842200"/>
+            <a:ext cx="13298400" cy="11841840"/>
           </a:xfrm>
           <a:prstGeom prst="rect">
             <a:avLst/>
@@ -1422,7 +1422,7 @@
         <p:spPr>
           <a:xfrm>
             <a:off x="15477480" y="10016280"/>
-            <a:ext cx="13298400" cy="11842200"/>
+            <a:ext cx="13298400" cy="11841840"/>
           </a:xfrm>
           <a:prstGeom prst="rect">
             <a:avLst/>
@@ -1457,8 +1457,8 @@
         </p:nvSpPr>
         <p:spPr>
           <a:xfrm>
-            <a:off x="1513800" y="22983840"/>
-            <a:ext cx="27251280" cy="11842200"/>
+            <a:off x="1513800" y="22983480"/>
+            <a:ext cx="27250920" cy="11841840"/>
           </a:xfrm>
           <a:prstGeom prst="rect">
             <a:avLst/>
@@ -1579,7 +1579,7 @@
         <p:spPr>
           <a:xfrm>
             <a:off x="1513800" y="1707840"/>
-            <a:ext cx="27251280" cy="7147800"/>
+            <a:ext cx="27250560" cy="7147080"/>
           </a:xfrm>
           <a:prstGeom prst="rect">
             <a:avLst/>
@@ -1589,34 +1589,6 @@
           <a:bodyPr lIns="0" rIns="0" tIns="0" bIns="0" anchor="ctr"/>
           <a:p>
             <a:pPr algn="ctr"/>
-            <a:r>
-              <a:rPr b="0" lang="en-US" sz="4400" spc="-1" strike="noStrike">
-                <a:solidFill>
-                  <a:srgbClr val="000000"/>
-                </a:solidFill>
-                <a:uFill>
-                  <a:solidFill>
-                    <a:srgbClr val="ffffff"/>
-                  </a:solidFill>
-                </a:uFill>
-                <a:latin typeface="Arial"/>
-              </a:rPr>
-              <a:t>Click to edit the </a:t>
-            </a:r>
-            <a:r>
-              <a:rPr b="0" lang="en-US" sz="4400" spc="-1" strike="noStrike">
-                <a:solidFill>
-                  <a:srgbClr val="000000"/>
-                </a:solidFill>
-                <a:uFill>
-                  <a:solidFill>
-                    <a:srgbClr val="ffffff"/>
-                  </a:solidFill>
-                </a:uFill>
-                <a:latin typeface="Arial"/>
-              </a:rPr>
-              <a:t>title text format</a:t>
-            </a:r>
             <a:endParaRPr b="0" lang="en-US" sz="4400" spc="-1" strike="noStrike">
               <a:solidFill>
                 <a:srgbClr val="000000"/>
@@ -1644,7 +1616,7 @@
         <p:spPr>
           <a:xfrm>
             <a:off x="1513800" y="10016280"/>
-            <a:ext cx="27251280" cy="24826680"/>
+            <a:ext cx="27250920" cy="24826320"/>
           </a:xfrm>
           <a:prstGeom prst="rect">
             <a:avLst/>
@@ -1951,8 +1923,8 @@
         </p:nvSpPr>
         <p:spPr>
           <a:xfrm>
-            <a:off x="6384240" y="510480"/>
-            <a:ext cx="21936240" cy="2193840"/>
+            <a:off x="6384240" y="6480"/>
+            <a:ext cx="21935520" cy="2193120"/>
           </a:xfrm>
           <a:prstGeom prst="rect">
             <a:avLst/>
@@ -1977,7 +1949,7 @@
               </a:lnSpc>
             </a:pPr>
             <a:r>
-              <a:rPr b="1" lang="en-US" sz="20000" spc="-1" strike="noStrike">
+              <a:rPr b="0" lang="en-US" sz="20000" spc="-1" strike="noStrike">
                 <a:solidFill>
                   <a:srgbClr val="1f497d"/>
                 </a:solidFill>
@@ -1991,16 +1963,16 @@
               </a:rPr>
               <a:t>Semantify.IO</a:t>
             </a:r>
-            <a:endParaRPr b="0" lang="en-US" sz="1800" spc="-1" strike="noStrike">
-              <a:solidFill>
-                <a:srgbClr val="000000"/>
-              </a:solidFill>
-              <a:uFill>
-                <a:solidFill>
-                  <a:srgbClr val="ffffff"/>
-                </a:solidFill>
-              </a:uFill>
-              <a:latin typeface="Arial"/>
+            <a:endParaRPr b="0" lang="en-US" sz="2400" spc="-1" strike="noStrike">
+              <a:solidFill>
+                <a:srgbClr val="000000"/>
+              </a:solidFill>
+              <a:uFill>
+                <a:solidFill>
+                  <a:srgbClr val="ffffff"/>
+                </a:solidFill>
+              </a:uFill>
+              <a:latin typeface="Times New Roman"/>
             </a:endParaRPr>
           </a:p>
         </p:txBody>
@@ -2013,8 +1985,8 @@
         </p:nvSpPr>
         <p:spPr>
           <a:xfrm>
-            <a:off x="6740280" y="3337560"/>
-            <a:ext cx="21936240" cy="2375280"/>
+            <a:off x="5028480" y="2653560"/>
+            <a:ext cx="24835320" cy="1508760"/>
           </a:xfrm>
           <a:prstGeom prst="rect">
             <a:avLst/>
@@ -2051,87 +2023,12 @@
                 <a:latin typeface="Calibri"/>
                 <a:ea typeface="DejaVu Sans"/>
               </a:rPr>
-              <a:t>A web-based tool to semantify the knowledge of standards</a:t>
+              <a:t>A web-</a:t>
             </a:r>
-            <a:endParaRPr b="0" lang="en-US" sz="1800" spc="-1" strike="noStrike">
-              <a:solidFill>
-                <a:srgbClr val="000000"/>
-              </a:solidFill>
-              <a:uFill>
-                <a:solidFill>
-                  <a:srgbClr val="ffffff"/>
-                </a:solidFill>
-              </a:uFill>
-              <a:latin typeface="Arial"/>
-            </a:endParaRPr>
-          </a:p>
-        </p:txBody>
-      </p:sp>
-      <p:sp>
-        <p:nvSpPr>
-          <p:cNvPr id="40" name="Line 3"/>
-          <p:cNvSpPr/>
-          <p:nvPr/>
-        </p:nvSpPr>
-        <p:spPr>
-          <a:xfrm>
-            <a:off x="-17640" y="6172920"/>
-            <a:ext cx="30279600" cy="360"/>
-          </a:xfrm>
-          <a:prstGeom prst="line">
-            <a:avLst/>
-          </a:prstGeom>
-          <a:ln w="152280">
-            <a:solidFill>
-              <a:srgbClr val="4f81bd"/>
-            </a:solidFill>
-            <a:round/>
-          </a:ln>
-        </p:spPr>
-        <p:style>
-          <a:lnRef idx="0"/>
-          <a:fillRef idx="0"/>
-          <a:effectRef idx="0"/>
-          <a:fontRef idx="minor"/>
-        </p:style>
-      </p:sp>
-      <p:sp>
-        <p:nvSpPr>
-          <p:cNvPr id="41" name="CustomShape 4"/>
-          <p:cNvSpPr/>
-          <p:nvPr/>
-        </p:nvSpPr>
-        <p:spPr>
-          <a:xfrm>
-            <a:off x="1026360" y="6788160"/>
-            <a:ext cx="15857640" cy="2009520"/>
-          </a:xfrm>
-          <a:prstGeom prst="rect">
-            <a:avLst/>
-          </a:prstGeom>
-          <a:noFill/>
-          <a:ln>
-            <a:noFill/>
-          </a:ln>
-        </p:spPr>
-        <p:style>
-          <a:lnRef idx="0"/>
-          <a:fillRef idx="0"/>
-          <a:effectRef idx="0"/>
-          <a:fontRef idx="minor"/>
-        </p:style>
-        <p:txBody>
-          <a:bodyPr lIns="90000" rIns="90000" tIns="45000" bIns="45000"/>
-          <a:p>
-            <a:pPr>
-              <a:lnSpc>
-                <a:spcPct val="100000"/>
-              </a:lnSpc>
-            </a:pPr>
             <a:r>
-              <a:rPr b="1" lang="en-US" sz="8000" spc="-1" strike="noStrike">
-                <a:solidFill>
-                  <a:srgbClr val="1f497d"/>
+              <a:rPr b="0" i="1" lang="en-US" sz="8000" spc="-1" strike="noStrike">
+                <a:solidFill>
+                  <a:srgbClr val="808080"/>
                 </a:solidFill>
                 <a:uFill>
                   <a:solidFill>
@@ -2141,18 +2038,198 @@
                 <a:latin typeface="Calibri"/>
                 <a:ea typeface="DejaVu Sans"/>
               </a:rPr>
-              <a:t>Motivation</a:t>
+              <a:t>based tool </a:t>
             </a:r>
-            <a:endParaRPr b="0" lang="en-US" sz="1800" spc="-1" strike="noStrike">
-              <a:solidFill>
-                <a:srgbClr val="000000"/>
-              </a:solidFill>
-              <a:uFill>
-                <a:solidFill>
-                  <a:srgbClr val="ffffff"/>
-                </a:solidFill>
-              </a:uFill>
-              <a:latin typeface="Arial"/>
+            <a:r>
+              <a:rPr b="0" i="1" lang="en-US" sz="8000" spc="-1" strike="noStrike">
+                <a:solidFill>
+                  <a:srgbClr val="808080"/>
+                </a:solidFill>
+                <a:uFill>
+                  <a:solidFill>
+                    <a:srgbClr val="ffffff"/>
+                  </a:solidFill>
+                </a:uFill>
+                <a:latin typeface="Calibri"/>
+                <a:ea typeface="DejaVu Sans"/>
+              </a:rPr>
+              <a:t>to </a:t>
+            </a:r>
+            <a:r>
+              <a:rPr b="0" i="1" lang="en-US" sz="8000" spc="-1" strike="noStrike">
+                <a:solidFill>
+                  <a:srgbClr val="808080"/>
+                </a:solidFill>
+                <a:uFill>
+                  <a:solidFill>
+                    <a:srgbClr val="ffffff"/>
+                  </a:solidFill>
+                </a:uFill>
+                <a:latin typeface="Calibri"/>
+                <a:ea typeface="DejaVu Sans"/>
+              </a:rPr>
+              <a:t>semantify </a:t>
+            </a:r>
+            <a:r>
+              <a:rPr b="0" i="1" lang="en-US" sz="8000" spc="-1" strike="noStrike">
+                <a:solidFill>
+                  <a:srgbClr val="808080"/>
+                </a:solidFill>
+                <a:uFill>
+                  <a:solidFill>
+                    <a:srgbClr val="ffffff"/>
+                  </a:solidFill>
+                </a:uFill>
+                <a:latin typeface="Calibri"/>
+                <a:ea typeface="DejaVu Sans"/>
+              </a:rPr>
+              <a:t>the </a:t>
+            </a:r>
+            <a:r>
+              <a:rPr b="0" i="1" lang="en-US" sz="8000" spc="-1" strike="noStrike">
+                <a:solidFill>
+                  <a:srgbClr val="808080"/>
+                </a:solidFill>
+                <a:uFill>
+                  <a:solidFill>
+                    <a:srgbClr val="ffffff"/>
+                  </a:solidFill>
+                </a:uFill>
+                <a:latin typeface="Calibri"/>
+                <a:ea typeface="DejaVu Sans"/>
+              </a:rPr>
+              <a:t>knowledg</a:t>
+            </a:r>
+            <a:r>
+              <a:rPr b="0" i="1" lang="en-US" sz="8000" spc="-1" strike="noStrike">
+                <a:solidFill>
+                  <a:srgbClr val="808080"/>
+                </a:solidFill>
+                <a:uFill>
+                  <a:solidFill>
+                    <a:srgbClr val="ffffff"/>
+                  </a:solidFill>
+                </a:uFill>
+                <a:latin typeface="Calibri"/>
+                <a:ea typeface="DejaVu Sans"/>
+              </a:rPr>
+              <a:t>e of </a:t>
+            </a:r>
+            <a:r>
+              <a:rPr b="0" i="1" lang="en-US" sz="8000" spc="-1" strike="noStrike">
+                <a:solidFill>
+                  <a:srgbClr val="808080"/>
+                </a:solidFill>
+                <a:uFill>
+                  <a:solidFill>
+                    <a:srgbClr val="ffffff"/>
+                  </a:solidFill>
+                </a:uFill>
+                <a:latin typeface="Calibri"/>
+                <a:ea typeface="DejaVu Sans"/>
+              </a:rPr>
+              <a:t>standards</a:t>
+            </a:r>
+            <a:endParaRPr b="0" lang="en-US" sz="2400" spc="-1" strike="noStrike">
+              <a:solidFill>
+                <a:srgbClr val="000000"/>
+              </a:solidFill>
+              <a:uFill>
+                <a:solidFill>
+                  <a:srgbClr val="ffffff"/>
+                </a:solidFill>
+              </a:uFill>
+              <a:latin typeface="Times New Roman"/>
+            </a:endParaRPr>
+          </a:p>
+        </p:txBody>
+      </p:sp>
+      <p:sp>
+        <p:nvSpPr>
+          <p:cNvPr id="40" name="Line 3"/>
+          <p:cNvSpPr/>
+          <p:nvPr/>
+        </p:nvSpPr>
+        <p:spPr>
+          <a:xfrm>
+            <a:off x="-17640" y="5200920"/>
+            <a:ext cx="30279600" cy="360"/>
+          </a:xfrm>
+          <a:prstGeom prst="line">
+            <a:avLst/>
+          </a:prstGeom>
+          <a:ln w="152280">
+            <a:solidFill>
+              <a:srgbClr val="4f81bd"/>
+            </a:solidFill>
+            <a:round/>
+          </a:ln>
+        </p:spPr>
+        <p:style>
+          <a:lnRef idx="0"/>
+          <a:fillRef idx="0"/>
+          <a:effectRef idx="0"/>
+          <a:fontRef idx="minor"/>
+        </p:style>
+      </p:sp>
+      <p:sp>
+        <p:nvSpPr>
+          <p:cNvPr id="41" name="CustomShape 4"/>
+          <p:cNvSpPr/>
+          <p:nvPr/>
+        </p:nvSpPr>
+        <p:spPr>
+          <a:xfrm>
+            <a:off x="1026360" y="5924160"/>
+            <a:ext cx="15856920" cy="2008800"/>
+          </a:xfrm>
+          <a:prstGeom prst="rect">
+            <a:avLst/>
+          </a:prstGeom>
+          <a:noFill/>
+          <a:ln>
+            <a:noFill/>
+          </a:ln>
+        </p:spPr>
+        <p:style>
+          <a:lnRef idx="0"/>
+          <a:fillRef idx="0"/>
+          <a:effectRef idx="0"/>
+          <a:fontRef idx="minor"/>
+        </p:style>
+        <p:txBody>
+          <a:bodyPr lIns="90000" rIns="90000" tIns="45000" bIns="45000"/>
+          <a:p>
+            <a:pPr>
+              <a:lnSpc>
+                <a:spcPct val="100000"/>
+              </a:lnSpc>
+            </a:pPr>
+            <a:r>
+              <a:rPr b="1" lang="en-US" sz="8000" spc="-1" strike="noStrike">
+                <a:solidFill>
+                  <a:srgbClr val="1f497d"/>
+                </a:solidFill>
+                <a:uFill>
+                  <a:solidFill>
+                    <a:srgbClr val="ffffff"/>
+                  </a:solidFill>
+                </a:uFill>
+                <a:latin typeface="Calibri"/>
+                <a:ea typeface="DejaVu Sans"/>
+              </a:rPr>
+              <a:t>The role of OPC UA</a:t>
+            </a:r>
+            <a:endParaRPr b="0" lang="en-US" sz="2400" spc="-1" strike="noStrike">
+              <a:solidFill>
+                <a:srgbClr val="000000"/>
+              </a:solidFill>
+              <a:uFill>
+                <a:solidFill>
+                  <a:srgbClr val="ffffff"/>
+                </a:solidFill>
+              </a:uFill>
+              <a:latin typeface="Times New Roman"/>
             </a:endParaRPr>
           </a:p>
         </p:txBody>
@@ -2170,7 +2247,7 @@
         <p:spPr>
           <a:xfrm>
             <a:off x="19578600" y="39930480"/>
-            <a:ext cx="8557920" cy="2101320"/>
+            <a:ext cx="8557200" cy="2100600"/>
           </a:xfrm>
           <a:prstGeom prst="rect">
             <a:avLst/>
@@ -2219,8 +2296,8 @@
         </p:nvSpPr>
         <p:spPr>
           <a:xfrm>
-            <a:off x="1026360" y="8064360"/>
-            <a:ext cx="11276280" cy="699120"/>
+            <a:off x="1026360" y="7200360"/>
+            <a:ext cx="11275560" cy="698400"/>
           </a:xfrm>
           <a:prstGeom prst="rect">
             <a:avLst/>
@@ -2246,7 +2323,7 @@
         <p:spPr>
           <a:xfrm>
             <a:off x="16788600" y="34544520"/>
-            <a:ext cx="13111920" cy="2214000"/>
+            <a:ext cx="13111200" cy="2213280"/>
           </a:xfrm>
           <a:prstGeom prst="rect">
             <a:avLst/>
@@ -2300,16 +2377,16 @@
               </a:rPr>
               <a:t>vm-&lt;???&gt;</a:t>
             </a:r>
-            <a:endParaRPr b="0" lang="en-US" sz="1800" spc="-1" strike="noStrike">
-              <a:solidFill>
-                <a:srgbClr val="000000"/>
-              </a:solidFill>
-              <a:uFill>
-                <a:solidFill>
-                  <a:srgbClr val="ffffff"/>
-                </a:solidFill>
-              </a:uFill>
-              <a:latin typeface="Arial"/>
+            <a:endParaRPr b="0" lang="en-US" sz="2400" spc="-1" strike="noStrike">
+              <a:solidFill>
+                <a:srgbClr val="000000"/>
+              </a:solidFill>
+              <a:uFill>
+                <a:solidFill>
+                  <a:srgbClr val="ffffff"/>
+                </a:solidFill>
+              </a:uFill>
+              <a:latin typeface="Times New Roman"/>
             </a:endParaRPr>
           </a:p>
           <a:p>
@@ -2333,16 +2410,16 @@
               </a:rPr>
               <a:t>Software installed: </a:t>
             </a:r>
-            <a:endParaRPr b="0" lang="en-US" sz="1800" spc="-1" strike="noStrike">
-              <a:solidFill>
-                <a:srgbClr val="000000"/>
-              </a:solidFill>
-              <a:uFill>
-                <a:solidFill>
-                  <a:srgbClr val="ffffff"/>
-                </a:solidFill>
-              </a:uFill>
-              <a:latin typeface="Arial"/>
+            <a:endParaRPr b="0" lang="en-US" sz="2400" spc="-1" strike="noStrike">
+              <a:solidFill>
+                <a:srgbClr val="000000"/>
+              </a:solidFill>
+              <a:uFill>
+                <a:solidFill>
+                  <a:srgbClr val="ffffff"/>
+                </a:solidFill>
+              </a:uFill>
+              <a:latin typeface="Times New Roman"/>
             </a:endParaRPr>
           </a:p>
           <a:p>
@@ -2366,16 +2443,16 @@
               </a:rPr>
               <a:t>Installed on: EISX, Java EE X.X.X, </a:t>
             </a:r>
-            <a:endParaRPr b="0" lang="en-US" sz="1800" spc="-1" strike="noStrike">
-              <a:solidFill>
-                <a:srgbClr val="000000"/>
-              </a:solidFill>
-              <a:uFill>
-                <a:solidFill>
-                  <a:srgbClr val="ffffff"/>
-                </a:solidFill>
-              </a:uFill>
-              <a:latin typeface="Arial"/>
+            <a:endParaRPr b="0" lang="en-US" sz="2400" spc="-1" strike="noStrike">
+              <a:solidFill>
+                <a:srgbClr val="000000"/>
+              </a:solidFill>
+              <a:uFill>
+                <a:solidFill>
+                  <a:srgbClr val="ffffff"/>
+                </a:solidFill>
+              </a:uFill>
+              <a:latin typeface="Times New Roman"/>
             </a:endParaRPr>
           </a:p>
           <a:p>
@@ -2384,16 +2461,16 @@
                 <a:spcPct val="100000"/>
               </a:lnSpc>
             </a:pPr>
-            <a:endParaRPr b="0" lang="en-US" sz="1800" spc="-1" strike="noStrike">
-              <a:solidFill>
-                <a:srgbClr val="000000"/>
-              </a:solidFill>
-              <a:uFill>
-                <a:solidFill>
-                  <a:srgbClr val="ffffff"/>
-                </a:solidFill>
-              </a:uFill>
-              <a:latin typeface="Arial"/>
+            <a:endParaRPr b="0" lang="en-US" sz="2400" spc="-1" strike="noStrike">
+              <a:solidFill>
+                <a:srgbClr val="000000"/>
+              </a:solidFill>
+              <a:uFill>
+                <a:solidFill>
+                  <a:srgbClr val="ffffff"/>
+                </a:solidFill>
+              </a:uFill>
+              <a:latin typeface="Times New Roman"/>
             </a:endParaRPr>
           </a:p>
         </p:txBody>
@@ -2406,8 +2483,8 @@
         </p:nvSpPr>
         <p:spPr>
           <a:xfrm flipH="1">
-            <a:off x="24481440" y="36970920"/>
-            <a:ext cx="5398920" cy="1798920"/>
+            <a:off x="24480000" y="36970920"/>
+            <a:ext cx="5398200" cy="1798200"/>
           </a:xfrm>
           <a:prstGeom prst="foldedCorner">
             <a:avLst>
@@ -2440,7 +2517,7 @@
         <p:spPr>
           <a:xfrm>
             <a:off x="24543000" y="36969840"/>
-            <a:ext cx="5204160" cy="1689480"/>
+            <a:ext cx="5203440" cy="1688760"/>
           </a:xfrm>
           <a:prstGeom prst="rect">
             <a:avLst/>
@@ -2479,16 +2556,16 @@
               </a:rPr>
               <a:t>Remote Access:</a:t>
             </a:r>
-            <a:endParaRPr b="0" lang="en-US" sz="1800" spc="-1" strike="noStrike">
-              <a:solidFill>
-                <a:srgbClr val="000000"/>
-              </a:solidFill>
-              <a:uFill>
-                <a:solidFill>
-                  <a:srgbClr val="ffffff"/>
-                </a:solidFill>
-              </a:uFill>
-              <a:latin typeface="Arial"/>
+            <a:endParaRPr b="0" lang="en-US" sz="2400" spc="-1" strike="noStrike">
+              <a:solidFill>
+                <a:srgbClr val="000000"/>
+              </a:solidFill>
+              <a:uFill>
+                <a:solidFill>
+                  <a:srgbClr val="ffffff"/>
+                </a:solidFill>
+              </a:uFill>
+              <a:latin typeface="Times New Roman"/>
             </a:endParaRPr>
           </a:p>
           <a:p>
@@ -2572,16 +2649,16 @@
               </a:rPr>
               <a:t>&lt;INCLUDE HERE&gt;</a:t>
             </a:r>
-            <a:endParaRPr b="0" lang="en-US" sz="1800" spc="-1" strike="noStrike">
-              <a:solidFill>
-                <a:srgbClr val="000000"/>
-              </a:solidFill>
-              <a:uFill>
-                <a:solidFill>
-                  <a:srgbClr val="ffffff"/>
-                </a:solidFill>
-              </a:uFill>
-              <a:latin typeface="Arial"/>
+            <a:endParaRPr b="0" lang="en-US" sz="2400" spc="-1" strike="noStrike">
+              <a:solidFill>
+                <a:srgbClr val="000000"/>
+              </a:solidFill>
+              <a:uFill>
+                <a:solidFill>
+                  <a:srgbClr val="ffffff"/>
+                </a:solidFill>
+              </a:uFill>
+              <a:latin typeface="Times New Roman"/>
             </a:endParaRPr>
           </a:p>
         </p:txBody>
@@ -2594,8 +2671,8 @@
         </p:nvSpPr>
         <p:spPr>
           <a:xfrm flipH="1">
-            <a:off x="18835200" y="36997200"/>
-            <a:ext cx="5326920" cy="1798920"/>
+            <a:off x="18833760" y="36997200"/>
+            <a:ext cx="5326200" cy="1798200"/>
           </a:xfrm>
           <a:prstGeom prst="foldedCorner">
             <a:avLst>
@@ -2641,16 +2718,16 @@
               </a:rPr>
               <a:t>Local Access:</a:t>
             </a:r>
-            <a:endParaRPr b="0" lang="en-US" sz="1800" spc="-1" strike="noStrike">
-              <a:solidFill>
-                <a:srgbClr val="000000"/>
-              </a:solidFill>
-              <a:uFill>
-                <a:solidFill>
-                  <a:srgbClr val="ffffff"/>
-                </a:solidFill>
-              </a:uFill>
-              <a:latin typeface="Arial"/>
+            <a:endParaRPr b="0" lang="en-US" sz="2400" spc="-1" strike="noStrike">
+              <a:solidFill>
+                <a:srgbClr val="000000"/>
+              </a:solidFill>
+              <a:uFill>
+                <a:solidFill>
+                  <a:srgbClr val="ffffff"/>
+                </a:solidFill>
+              </a:uFill>
+              <a:latin typeface="Times New Roman"/>
             </a:endParaRPr>
           </a:p>
           <a:p>
@@ -2689,16 +2766,16 @@
               </a:rPr>
               <a:t>eis-user</a:t>
             </a:r>
-            <a:endParaRPr b="0" lang="en-US" sz="1800" spc="-1" strike="noStrike">
-              <a:solidFill>
-                <a:srgbClr val="000000"/>
-              </a:solidFill>
-              <a:uFill>
-                <a:solidFill>
-                  <a:srgbClr val="ffffff"/>
-                </a:solidFill>
-              </a:uFill>
-              <a:latin typeface="Arial"/>
+            <a:endParaRPr b="0" lang="en-US" sz="2400" spc="-1" strike="noStrike">
+              <a:solidFill>
+                <a:srgbClr val="000000"/>
+              </a:solidFill>
+              <a:uFill>
+                <a:solidFill>
+                  <a:srgbClr val="ffffff"/>
+                </a:solidFill>
+              </a:uFill>
+              <a:latin typeface="Times New Roman"/>
             </a:endParaRPr>
           </a:p>
           <a:p>
@@ -2737,16 +2814,16 @@
               </a:rPr>
               <a:t>&lt;INCLUDE HERE&gt;</a:t>
             </a:r>
-            <a:endParaRPr b="0" lang="en-US" sz="1800" spc="-1" strike="noStrike">
-              <a:solidFill>
-                <a:srgbClr val="000000"/>
-              </a:solidFill>
-              <a:uFill>
-                <a:solidFill>
-                  <a:srgbClr val="ffffff"/>
-                </a:solidFill>
-              </a:uFill>
-              <a:latin typeface="Arial"/>
+            <a:endParaRPr b="0" lang="en-US" sz="2400" spc="-1" strike="noStrike">
+              <a:solidFill>
+                <a:srgbClr val="000000"/>
+              </a:solidFill>
+              <a:uFill>
+                <a:solidFill>
+                  <a:srgbClr val="ffffff"/>
+                </a:solidFill>
+              </a:uFill>
+              <a:latin typeface="Times New Roman"/>
             </a:endParaRPr>
           </a:p>
         </p:txBody>
@@ -2764,7 +2841,7 @@
         <p:spPr>
           <a:xfrm>
             <a:off x="24573600" y="37067040"/>
-            <a:ext cx="691560" cy="682920"/>
+            <a:ext cx="690840" cy="682200"/>
           </a:xfrm>
           <a:prstGeom prst="rect">
             <a:avLst/>
@@ -2787,7 +2864,7 @@
         <p:spPr>
           <a:xfrm>
             <a:off x="26334720" y="34655760"/>
-            <a:ext cx="1956240" cy="2059200"/>
+            <a:ext cx="1955520" cy="2058480"/>
           </a:xfrm>
           <a:prstGeom prst="rect">
             <a:avLst/>
@@ -2806,7 +2883,7 @@
         <p:spPr>
           <a:xfrm>
             <a:off x="18898560" y="33468120"/>
-            <a:ext cx="11276280" cy="1004040"/>
+            <a:ext cx="11275560" cy="1003320"/>
           </a:xfrm>
           <a:prstGeom prst="rect">
             <a:avLst/>
@@ -2845,16 +2922,16 @@
               </a:rPr>
               <a:t>&lt;Virtual Machine Description&gt;</a:t>
             </a:r>
-            <a:endParaRPr b="0" lang="en-US" sz="1800" spc="-1" strike="noStrike">
-              <a:solidFill>
-                <a:srgbClr val="000000"/>
-              </a:solidFill>
-              <a:uFill>
-                <a:solidFill>
-                  <a:srgbClr val="ffffff"/>
-                </a:solidFill>
-              </a:uFill>
-              <a:latin typeface="Arial"/>
+            <a:endParaRPr b="0" lang="en-US" sz="2400" spc="-1" strike="noStrike">
+              <a:solidFill>
+                <a:srgbClr val="000000"/>
+              </a:solidFill>
+              <a:uFill>
+                <a:solidFill>
+                  <a:srgbClr val="ffffff"/>
+                </a:solidFill>
+              </a:uFill>
+              <a:latin typeface="Times New Roman"/>
             </a:endParaRPr>
           </a:p>
         </p:txBody>
@@ -2868,7 +2945,7 @@
         <p:spPr>
           <a:xfrm>
             <a:off x="4509360" y="40060440"/>
-            <a:ext cx="10413720" cy="1719360"/>
+            <a:ext cx="10413000" cy="1718640"/>
           </a:xfrm>
           <a:prstGeom prst="rect">
             <a:avLst/>
@@ -2907,16 +2984,16 @@
               </a:rPr>
               <a:t>Enterprise</a:t>
             </a:r>
-            <a:endParaRPr b="0" lang="en-US" sz="1800" spc="-1" strike="noStrike">
-              <a:solidFill>
-                <a:srgbClr val="000000"/>
-              </a:solidFill>
-              <a:uFill>
-                <a:solidFill>
-                  <a:srgbClr val="ffffff"/>
-                </a:solidFill>
-              </a:uFill>
-              <a:latin typeface="Arial"/>
+            <a:endParaRPr b="0" lang="en-US" sz="2400" spc="-1" strike="noStrike">
+              <a:solidFill>
+                <a:srgbClr val="000000"/>
+              </a:solidFill>
+              <a:uFill>
+                <a:solidFill>
+                  <a:srgbClr val="ffffff"/>
+                </a:solidFill>
+              </a:uFill>
+              <a:latin typeface="Times New Roman"/>
             </a:endParaRPr>
           </a:p>
           <a:p>
@@ -2940,16 +3017,16 @@
               </a:rPr>
               <a:t>Information Systems</a:t>
             </a:r>
-            <a:endParaRPr b="0" lang="en-US" sz="1800" spc="-1" strike="noStrike">
-              <a:solidFill>
-                <a:srgbClr val="000000"/>
-              </a:solidFill>
-              <a:uFill>
-                <a:solidFill>
-                  <a:srgbClr val="ffffff"/>
-                </a:solidFill>
-              </a:uFill>
-              <a:latin typeface="Arial"/>
+            <a:endParaRPr b="0" lang="en-US" sz="2400" spc="-1" strike="noStrike">
+              <a:solidFill>
+                <a:srgbClr val="000000"/>
+              </a:solidFill>
+              <a:uFill>
+                <a:solidFill>
+                  <a:srgbClr val="ffffff"/>
+                </a:solidFill>
+              </a:uFill>
+              <a:latin typeface="Times New Roman"/>
             </a:endParaRPr>
           </a:p>
         </p:txBody>
@@ -2963,7 +3040,7 @@
         <p:spPr>
           <a:xfrm>
             <a:off x="1098360" y="39512520"/>
-            <a:ext cx="3723480" cy="2306520"/>
+            <a:ext cx="3722760" cy="2305800"/>
           </a:xfrm>
           <a:prstGeom prst="rect">
             <a:avLst/>
@@ -3032,16 +3109,16 @@
               </a:rPr>
               <a:t>S</a:t>
             </a:r>
-            <a:endParaRPr b="0" lang="en-US" sz="1800" spc="-1" strike="noStrike">
-              <a:solidFill>
-                <a:srgbClr val="000000"/>
-              </a:solidFill>
-              <a:uFill>
-                <a:solidFill>
-                  <a:srgbClr val="ffffff"/>
-                </a:solidFill>
-              </a:uFill>
-              <a:latin typeface="Arial"/>
+            <a:endParaRPr b="0" lang="en-US" sz="2400" spc="-1" strike="noStrike">
+              <a:solidFill>
+                <a:srgbClr val="000000"/>
+              </a:solidFill>
+              <a:uFill>
+                <a:solidFill>
+                  <a:srgbClr val="ffffff"/>
+                </a:solidFill>
+              </a:uFill>
+              <a:latin typeface="Times New Roman"/>
             </a:endParaRPr>
           </a:p>
         </p:txBody>
@@ -3054,18 +3131,15 @@
         </p:nvSpPr>
         <p:spPr>
           <a:xfrm>
-            <a:off x="1748880" y="2140560"/>
-            <a:ext cx="4368600" cy="2976120"/>
+            <a:off x="1026360" y="7272360"/>
+            <a:ext cx="13602960" cy="6184080"/>
           </a:xfrm>
           <a:prstGeom prst="rect">
             <a:avLst/>
           </a:prstGeom>
           <a:noFill/>
-          <a:ln w="25560">
-            <a:solidFill>
-              <a:srgbClr val="3a5f8b"/>
-            </a:solidFill>
-            <a:round/>
+          <a:ln>
+            <a:noFill/>
           </a:ln>
         </p:spPr>
         <p:style>
@@ -3075,15 +3149,33 @@
           <a:fontRef idx="minor"/>
         </p:style>
         <p:txBody>
-          <a:bodyPr lIns="90000" rIns="90000" tIns="45000" bIns="45000" anchor="ctr"/>
-          <a:p>
-            <a:pPr algn="ctr">
+          <a:bodyPr lIns="90000" rIns="90000" tIns="45000" bIns="45000"/>
+          <a:p>
+            <a:pPr>
+              <a:lnSpc>
+                <a:spcPct val="100000"/>
+              </a:lnSpc>
+            </a:pPr>
+            <a:endParaRPr b="0" lang="en-US" sz="2400" spc="-1" strike="noStrike">
+              <a:solidFill>
+                <a:srgbClr val="000000"/>
+              </a:solidFill>
+              <a:uFill>
+                <a:solidFill>
+                  <a:srgbClr val="ffffff"/>
+                </a:solidFill>
+              </a:uFill>
+              <a:latin typeface="Times New Roman"/>
+            </a:endParaRPr>
+          </a:p>
+          <a:p>
+            <a:pPr>
               <a:lnSpc>
                 <a:spcPct val="100000"/>
               </a:lnSpc>
             </a:pPr>
             <a:r>
-              <a:rPr b="0" lang="en-US" sz="8000" spc="-1" strike="noStrike">
+              <a:rPr b="1" lang="en-US" sz="4000" spc="-1" strike="noStrike">
                 <a:solidFill>
                   <a:srgbClr val="000000"/>
                 </a:solidFill>
@@ -3095,49 +3187,38 @@
                 <a:latin typeface="Calibri"/>
                 <a:ea typeface="DejaVu Sans"/>
               </a:rPr>
-              <a:t>Logo/Icon</a:t>
+              <a:t>OPC Unified Architecture (OPC UA) is the leading standard for data exchange and interoperability between products of different manufacturers and operating systems. Because of that, OPC UA is playing a key role in what we call Industry 4.0 (I4.0).  </a:t>
             </a:r>
-            <a:endParaRPr b="0" lang="en-US" sz="1800" spc="-1" strike="noStrike">
-              <a:solidFill>
-                <a:srgbClr val="000000"/>
-              </a:solidFill>
-              <a:uFill>
-                <a:solidFill>
-                  <a:srgbClr val="ffffff"/>
-                </a:solidFill>
-              </a:uFill>
-              <a:latin typeface="Arial"/>
-            </a:endParaRPr>
-          </a:p>
-        </p:txBody>
-      </p:sp>
-      <p:sp>
-        <p:nvSpPr>
-          <p:cNvPr id="55" name="CustomShape 15"/>
-          <p:cNvSpPr/>
-          <p:nvPr/>
-        </p:nvSpPr>
-        <p:spPr>
-          <a:xfrm>
-            <a:off x="1026360" y="8136360"/>
-            <a:ext cx="13603680" cy="6184800"/>
-          </a:xfrm>
-          <a:prstGeom prst="rect">
-            <a:avLst/>
-          </a:prstGeom>
-          <a:noFill/>
-          <a:ln>
-            <a:noFill/>
-          </a:ln>
-        </p:spPr>
-        <p:style>
-          <a:lnRef idx="0"/>
-          <a:fillRef idx="0"/>
-          <a:effectRef idx="0"/>
-          <a:fontRef idx="minor"/>
-        </p:style>
-        <p:txBody>
-          <a:bodyPr lIns="90000" rIns="90000" tIns="45000" bIns="45000"/>
+            <a:endParaRPr b="0" lang="en-US" sz="2400" spc="-1" strike="noStrike">
+              <a:solidFill>
+                <a:srgbClr val="000000"/>
+              </a:solidFill>
+              <a:uFill>
+                <a:solidFill>
+                  <a:srgbClr val="ffffff"/>
+                </a:solidFill>
+              </a:uFill>
+              <a:latin typeface="Times New Roman"/>
+            </a:endParaRPr>
+          </a:p>
+          <a:p>
+            <a:pPr>
+              <a:lnSpc>
+                <a:spcPct val="100000"/>
+              </a:lnSpc>
+            </a:pPr>
+            <a:endParaRPr b="0" lang="en-US" sz="2400" spc="-1" strike="noStrike">
+              <a:solidFill>
+                <a:srgbClr val="000000"/>
+              </a:solidFill>
+              <a:uFill>
+                <a:solidFill>
+                  <a:srgbClr val="ffffff"/>
+                </a:solidFill>
+              </a:uFill>
+              <a:latin typeface="Times New Roman"/>
+            </a:endParaRPr>
+          </a:p>
           <a:p>
             <a:pPr>
               <a:lnSpc>
@@ -3157,18 +3238,18 @@
                 <a:latin typeface="Calibri"/>
                 <a:ea typeface="DejaVu Sans"/>
               </a:rPr>
-              <a:t>Industry 4.0 (I4.0) is a term coined in Germany to refer to the fourth industrial revolution. Under this concept we find another one, Machine to Machine (M2M), which refers to the communication between devices using a specific channel. One of the protocols implementing the interoperability is OPC Unified Architecture (OPC UA). This standard is implemented with XML.</a:t>
+              <a:t>I4.0 is a term coined in Germany to refer to the fourth industrial revolution whose purpose is to make reality the vision of smart factories. Even more, OPC UA is becoming popular in other markets like the Internet of Things (IoT).</a:t>
             </a:r>
-            <a:endParaRPr b="0" lang="en-US" sz="1800" spc="-1" strike="noStrike">
-              <a:solidFill>
-                <a:srgbClr val="000000"/>
-              </a:solidFill>
-              <a:uFill>
-                <a:solidFill>
-                  <a:srgbClr val="ffffff"/>
-                </a:solidFill>
-              </a:uFill>
-              <a:latin typeface="Arial"/>
+            <a:endParaRPr b="0" lang="en-US" sz="2400" spc="-1" strike="noStrike">
+              <a:solidFill>
+                <a:srgbClr val="000000"/>
+              </a:solidFill>
+              <a:uFill>
+                <a:solidFill>
+                  <a:srgbClr val="ffffff"/>
+                </a:solidFill>
+              </a:uFill>
+              <a:latin typeface="Times New Roman"/>
             </a:endParaRPr>
           </a:p>
           <a:p>
@@ -3177,18 +3258,47 @@
                 <a:spcPct val="100000"/>
               </a:lnSpc>
             </a:pPr>
-            <a:endParaRPr b="0" lang="en-US" sz="1800" spc="-1" strike="noStrike">
-              <a:solidFill>
-                <a:srgbClr val="000000"/>
-              </a:solidFill>
-              <a:uFill>
-                <a:solidFill>
-                  <a:srgbClr val="ffffff"/>
-                </a:solidFill>
-              </a:uFill>
-              <a:latin typeface="Arial"/>
-            </a:endParaRPr>
-          </a:p>
+            <a:endParaRPr b="0" lang="en-US" sz="2400" spc="-1" strike="noStrike">
+              <a:solidFill>
+                <a:srgbClr val="000000"/>
+              </a:solidFill>
+              <a:uFill>
+                <a:solidFill>
+                  <a:srgbClr val="ffffff"/>
+                </a:solidFill>
+              </a:uFill>
+              <a:latin typeface="Times New Roman"/>
+            </a:endParaRPr>
+          </a:p>
+        </p:txBody>
+      </p:sp>
+      <p:sp>
+        <p:nvSpPr>
+          <p:cNvPr id="55" name="CustomShape 15"/>
+          <p:cNvSpPr/>
+          <p:nvPr/>
+        </p:nvSpPr>
+        <p:spPr>
+          <a:xfrm>
+            <a:off x="15361920" y="5902560"/>
+            <a:ext cx="14851080" cy="2008800"/>
+          </a:xfrm>
+          <a:prstGeom prst="rect">
+            <a:avLst/>
+          </a:prstGeom>
+          <a:noFill/>
+          <a:ln>
+            <a:noFill/>
+          </a:ln>
+        </p:spPr>
+        <p:style>
+          <a:lnRef idx="0"/>
+          <a:fillRef idx="0"/>
+          <a:effectRef idx="0"/>
+          <a:fontRef idx="minor"/>
+        </p:style>
+        <p:txBody>
+          <a:bodyPr lIns="90000" rIns="90000" tIns="45000" bIns="45000"/>
           <a:p>
             <a:pPr>
               <a:lnSpc>
@@ -3196,9 +3306,9 @@
               </a:lnSpc>
             </a:pPr>
             <a:r>
-              <a:rPr b="1" lang="en-US" sz="4000" spc="-1" strike="noStrike">
-                <a:solidFill>
-                  <a:srgbClr val="000000"/>
+              <a:rPr b="1" lang="en-US" sz="8000" spc="-1" strike="noStrike">
+                <a:solidFill>
+                  <a:srgbClr val="1f497d"/>
                 </a:solidFill>
                 <a:uFill>
                   <a:solidFill>
@@ -3208,18 +3318,18 @@
                 <a:latin typeface="Calibri"/>
                 <a:ea typeface="DejaVu Sans"/>
               </a:rPr>
-              <a:t>We are proposing a web tool to translate the schema and instance files from XML into OWL vocabularies.</a:t>
+              <a:t>What we are doing</a:t>
             </a:r>
-            <a:endParaRPr b="0" lang="en-US" sz="1800" spc="-1" strike="noStrike">
-              <a:solidFill>
-                <a:srgbClr val="000000"/>
-              </a:solidFill>
-              <a:uFill>
-                <a:solidFill>
-                  <a:srgbClr val="ffffff"/>
-                </a:solidFill>
-              </a:uFill>
-              <a:latin typeface="Arial"/>
+            <a:endParaRPr b="0" lang="en-US" sz="2400" spc="-1" strike="noStrike">
+              <a:solidFill>
+                <a:srgbClr val="000000"/>
+              </a:solidFill>
+              <a:uFill>
+                <a:solidFill>
+                  <a:srgbClr val="ffffff"/>
+                </a:solidFill>
+              </a:uFill>
+              <a:latin typeface="Times New Roman"/>
             </a:endParaRPr>
           </a:p>
         </p:txBody>
@@ -3232,8 +3342,8 @@
         </p:nvSpPr>
         <p:spPr>
           <a:xfrm>
-            <a:off x="15361920" y="6766560"/>
-            <a:ext cx="14851800" cy="2009520"/>
+            <a:off x="14356080" y="7178760"/>
+            <a:ext cx="11275560" cy="698400"/>
           </a:xfrm>
           <a:prstGeom prst="rect">
             <a:avLst/>
@@ -3249,6 +3359,32 @@
           <a:effectRef idx="0"/>
           <a:fontRef idx="minor"/>
         </p:style>
+      </p:sp>
+      <p:sp>
+        <p:nvSpPr>
+          <p:cNvPr id="57" name="CustomShape 17"/>
+          <p:cNvSpPr/>
+          <p:nvPr/>
+        </p:nvSpPr>
+        <p:spPr>
+          <a:xfrm>
+            <a:off x="15270480" y="7286760"/>
+            <a:ext cx="13989240" cy="2273400"/>
+          </a:xfrm>
+          <a:prstGeom prst="rect">
+            <a:avLst/>
+          </a:prstGeom>
+          <a:noFill/>
+          <a:ln>
+            <a:noFill/>
+          </a:ln>
+        </p:spPr>
+        <p:style>
+          <a:lnRef idx="0"/>
+          <a:fillRef idx="0"/>
+          <a:effectRef idx="0"/>
+          <a:fontRef idx="minor"/>
+        </p:style>
         <p:txBody>
           <a:bodyPr lIns="90000" rIns="90000" tIns="45000" bIns="45000"/>
           <a:p>
@@ -3258,9 +3394,9 @@
               </a:lnSpc>
             </a:pPr>
             <a:r>
-              <a:rPr b="1" lang="en-US" sz="8000" spc="-1" strike="noStrike">
-                <a:solidFill>
-                  <a:srgbClr val="1f497d"/>
+              <a:rPr b="1" lang="en-US" sz="4000" spc="-1" strike="noStrike">
+                <a:solidFill>
+                  <a:srgbClr val="000000"/>
                 </a:solidFill>
                 <a:uFill>
                   <a:solidFill>
@@ -3270,32 +3406,32 @@
                 <a:latin typeface="Calibri"/>
                 <a:ea typeface="DejaVu Sans"/>
               </a:rPr>
-              <a:t>Challenges</a:t>
+              <a:t>OPC UA relies on SOAP architecture, that is, the communication is done using XML. We build a web tool to translate the schema and instance XML files from OPC UA into semantic formats.</a:t>
             </a:r>
-            <a:endParaRPr b="0" lang="en-US" sz="1800" spc="-1" strike="noStrike">
-              <a:solidFill>
-                <a:srgbClr val="000000"/>
-              </a:solidFill>
-              <a:uFill>
-                <a:solidFill>
-                  <a:srgbClr val="ffffff"/>
-                </a:solidFill>
-              </a:uFill>
-              <a:latin typeface="Arial"/>
-            </a:endParaRPr>
-          </a:p>
-        </p:txBody>
-      </p:sp>
-      <p:sp>
-        <p:nvSpPr>
-          <p:cNvPr id="57" name="CustomShape 17"/>
+            <a:endParaRPr b="0" lang="en-US" sz="2400" spc="-1" strike="noStrike">
+              <a:solidFill>
+                <a:srgbClr val="000000"/>
+              </a:solidFill>
+              <a:uFill>
+                <a:solidFill>
+                  <a:srgbClr val="ffffff"/>
+                </a:solidFill>
+              </a:uFill>
+              <a:latin typeface="Times New Roman"/>
+            </a:endParaRPr>
+          </a:p>
+        </p:txBody>
+      </p:sp>
+      <p:sp>
+        <p:nvSpPr>
+          <p:cNvPr id="58" name="CustomShape 18"/>
           <p:cNvSpPr/>
           <p:nvPr/>
         </p:nvSpPr>
         <p:spPr>
           <a:xfrm>
-            <a:off x="14356080" y="8042760"/>
-            <a:ext cx="11276280" cy="699120"/>
+            <a:off x="14356080" y="7178760"/>
+            <a:ext cx="11275560" cy="698400"/>
           </a:xfrm>
           <a:prstGeom prst="rect">
             <a:avLst/>
@@ -3314,204 +3450,14 @@
       </p:sp>
       <p:sp>
         <p:nvSpPr>
-          <p:cNvPr id="58" name="CustomShape 18"/>
-          <p:cNvSpPr/>
-          <p:nvPr/>
-        </p:nvSpPr>
-        <p:spPr>
-          <a:xfrm>
-            <a:off x="15270480" y="8150760"/>
-            <a:ext cx="13989960" cy="4355640"/>
-          </a:xfrm>
-          <a:prstGeom prst="rect">
-            <a:avLst/>
-          </a:prstGeom>
-          <a:noFill/>
-          <a:ln>
-            <a:noFill/>
-          </a:ln>
-        </p:spPr>
-        <p:style>
-          <a:lnRef idx="0"/>
-          <a:fillRef idx="0"/>
-          <a:effectRef idx="0"/>
-          <a:fontRef idx="minor"/>
-        </p:style>
-        <p:txBody>
-          <a:bodyPr lIns="90000" rIns="90000" tIns="45000" bIns="45000"/>
-          <a:p>
-            <a:pPr>
-              <a:lnSpc>
-                <a:spcPct val="100000"/>
-              </a:lnSpc>
-            </a:pPr>
-            <a:r>
-              <a:rPr b="1" lang="en-US" sz="4000" spc="-1" strike="noStrike">
-                <a:solidFill>
-                  <a:srgbClr val="000000"/>
-                </a:solidFill>
-                <a:uFill>
-                  <a:solidFill>
-                    <a:srgbClr val="ffffff"/>
-                  </a:solidFill>
-                </a:uFill>
-                <a:latin typeface="Calibri"/>
-                <a:ea typeface="DejaVu Sans"/>
-              </a:rPr>
-              <a:t>We faced the next challenges:</a:t>
-            </a:r>
-            <a:endParaRPr b="0" lang="en-US" sz="1800" spc="-1" strike="noStrike">
-              <a:solidFill>
-                <a:srgbClr val="000000"/>
-              </a:solidFill>
-              <a:uFill>
-                <a:solidFill>
-                  <a:srgbClr val="ffffff"/>
-                </a:solidFill>
-              </a:uFill>
-              <a:latin typeface="Arial"/>
-            </a:endParaRPr>
-          </a:p>
-          <a:p>
-            <a:pPr>
-              <a:lnSpc>
-                <a:spcPct val="100000"/>
-              </a:lnSpc>
-            </a:pPr>
-            <a:endParaRPr b="0" lang="en-US" sz="1800" spc="-1" strike="noStrike">
-              <a:solidFill>
-                <a:srgbClr val="000000"/>
-              </a:solidFill>
-              <a:uFill>
-                <a:solidFill>
-                  <a:srgbClr val="ffffff"/>
-                </a:solidFill>
-              </a:uFill>
-              <a:latin typeface="Arial"/>
-            </a:endParaRPr>
-          </a:p>
-          <a:p>
-            <a:pPr>
-              <a:lnSpc>
-                <a:spcPct val="100000"/>
-              </a:lnSpc>
-            </a:pPr>
-            <a:r>
-              <a:rPr b="1" lang="en-US" sz="4000" spc="-1" strike="noStrike">
-                <a:solidFill>
-                  <a:srgbClr val="000000"/>
-                </a:solidFill>
-                <a:uFill>
-                  <a:solidFill>
-                    <a:srgbClr val="ffffff"/>
-                  </a:solidFill>
-                </a:uFill>
-                <a:latin typeface="Calibri"/>
-                <a:ea typeface="DejaVu Sans"/>
-              </a:rPr>
-              <a:t>Few relevant works managing similar problems. That forced us to consult the documentation.</a:t>
-            </a:r>
-            <a:endParaRPr b="0" lang="en-US" sz="1800" spc="-1" strike="noStrike">
-              <a:solidFill>
-                <a:srgbClr val="000000"/>
-              </a:solidFill>
-              <a:uFill>
-                <a:solidFill>
-                  <a:srgbClr val="ffffff"/>
-                </a:solidFill>
-              </a:uFill>
-              <a:latin typeface="Arial"/>
-            </a:endParaRPr>
-          </a:p>
-          <a:p>
-            <a:pPr>
-              <a:lnSpc>
-                <a:spcPct val="100000"/>
-              </a:lnSpc>
-            </a:pPr>
-            <a:endParaRPr b="0" lang="en-US" sz="1800" spc="-1" strike="noStrike">
-              <a:solidFill>
-                <a:srgbClr val="000000"/>
-              </a:solidFill>
-              <a:uFill>
-                <a:solidFill>
-                  <a:srgbClr val="ffffff"/>
-                </a:solidFill>
-              </a:uFill>
-              <a:latin typeface="Arial"/>
-            </a:endParaRPr>
-          </a:p>
-          <a:p>
-            <a:pPr>
-              <a:lnSpc>
-                <a:spcPct val="100000"/>
-              </a:lnSpc>
-            </a:pPr>
-            <a:r>
-              <a:rPr b="1" lang="en-US" sz="4000" spc="-1" strike="noStrike">
-                <a:solidFill>
-                  <a:srgbClr val="000000"/>
-                </a:solidFill>
-                <a:uFill>
-                  <a:solidFill>
-                    <a:srgbClr val="ffffff"/>
-                  </a:solidFill>
-                </a:uFill>
-                <a:latin typeface="Calibri"/>
-                <a:ea typeface="DejaVu Sans"/>
-              </a:rPr>
-              <a:t>Few (although enough) material to work with. Because the access to the original files was restricted and private. </a:t>
-            </a:r>
-            <a:endParaRPr b="0" lang="en-US" sz="1800" spc="-1" strike="noStrike">
-              <a:solidFill>
-                <a:srgbClr val="000000"/>
-              </a:solidFill>
-              <a:uFill>
-                <a:solidFill>
-                  <a:srgbClr val="ffffff"/>
-                </a:solidFill>
-              </a:uFill>
-              <a:latin typeface="Arial"/>
-            </a:endParaRPr>
-          </a:p>
-        </p:txBody>
-      </p:sp>
-      <p:sp>
-        <p:nvSpPr>
           <p:cNvPr id="59" name="CustomShape 19"/>
           <p:cNvSpPr/>
           <p:nvPr/>
         </p:nvSpPr>
         <p:spPr>
           <a:xfrm>
-            <a:off x="14356080" y="8042760"/>
-            <a:ext cx="11276280" cy="699120"/>
-          </a:xfrm>
-          <a:prstGeom prst="rect">
-            <a:avLst/>
-          </a:prstGeom>
-          <a:noFill/>
-          <a:ln>
-            <a:noFill/>
-          </a:ln>
-        </p:spPr>
-        <p:style>
-          <a:lnRef idx="0"/>
-          <a:fillRef idx="0"/>
-          <a:effectRef idx="0"/>
-          <a:fontRef idx="minor"/>
-        </p:style>
-      </p:sp>
-      <p:sp>
-        <p:nvSpPr>
-          <p:cNvPr id="60" name="CustomShape 20"/>
-          <p:cNvSpPr/>
-          <p:nvPr/>
-        </p:nvSpPr>
-        <p:spPr>
-          <a:xfrm>
             <a:off x="1149840" y="18578520"/>
-            <a:ext cx="14851800" cy="2009520"/>
+            <a:ext cx="14851080" cy="2008800"/>
           </a:xfrm>
           <a:prstGeom prst="rect">
             <a:avLst/>
@@ -3550,30 +3496,30 @@
               </a:rPr>
               <a:t>Results</a:t>
             </a:r>
-            <a:endParaRPr b="0" lang="en-US" sz="1800" spc="-1" strike="noStrike">
-              <a:solidFill>
-                <a:srgbClr val="000000"/>
-              </a:solidFill>
-              <a:uFill>
-                <a:solidFill>
-                  <a:srgbClr val="ffffff"/>
-                </a:solidFill>
-              </a:uFill>
-              <a:latin typeface="Arial"/>
-            </a:endParaRPr>
-          </a:p>
-        </p:txBody>
-      </p:sp>
-      <p:sp>
-        <p:nvSpPr>
-          <p:cNvPr id="61" name="CustomShape 21"/>
+            <a:endParaRPr b="0" lang="en-US" sz="2400" spc="-1" strike="noStrike">
+              <a:solidFill>
+                <a:srgbClr val="000000"/>
+              </a:solidFill>
+              <a:uFill>
+                <a:solidFill>
+                  <a:srgbClr val="ffffff"/>
+                </a:solidFill>
+              </a:uFill>
+              <a:latin typeface="Times New Roman"/>
+            </a:endParaRPr>
+          </a:p>
+        </p:txBody>
+      </p:sp>
+      <p:sp>
+        <p:nvSpPr>
+          <p:cNvPr id="60" name="CustomShape 20"/>
           <p:cNvSpPr/>
           <p:nvPr/>
         </p:nvSpPr>
         <p:spPr>
           <a:xfrm>
-            <a:off x="1026360" y="19836360"/>
-            <a:ext cx="28325880" cy="1572120"/>
+            <a:off x="1026360" y="19980360"/>
+            <a:ext cx="28325160" cy="1571400"/>
           </a:xfrm>
           <a:prstGeom prst="rect">
             <a:avLst/>
@@ -3610,18 +3556,18 @@
                 <a:latin typeface="Calibri"/>
                 <a:ea typeface="DejaVu Sans"/>
               </a:rPr>
-              <a:t>We built a web-tool where is possible to upload, validate, transform, and visualize schema and instances of OPC UA standard into OPC ontologies. </a:t>
+              <a:t>We built a web-tool where is possible to upload, validate, transform, and visualize schema and instances of OPC UA standard into OPC ontologies. We implement this in two parts:</a:t>
             </a:r>
-            <a:endParaRPr b="0" lang="en-US" sz="1800" spc="-1" strike="noStrike">
-              <a:solidFill>
-                <a:srgbClr val="000000"/>
-              </a:solidFill>
-              <a:uFill>
-                <a:solidFill>
-                  <a:srgbClr val="ffffff"/>
-                </a:solidFill>
-              </a:uFill>
-              <a:latin typeface="Arial"/>
+            <a:endParaRPr b="0" lang="en-US" sz="2400" spc="-1" strike="noStrike">
+              <a:solidFill>
+                <a:srgbClr val="000000"/>
+              </a:solidFill>
+              <a:uFill>
+                <a:solidFill>
+                  <a:srgbClr val="ffffff"/>
+                </a:solidFill>
+              </a:uFill>
+              <a:latin typeface="Times New Roman"/>
             </a:endParaRPr>
           </a:p>
           <a:p>
@@ -3630,16 +3576,16 @@
                 <a:spcPct val="100000"/>
               </a:lnSpc>
             </a:pPr>
-            <a:endParaRPr b="0" lang="en-US" sz="1800" spc="-1" strike="noStrike">
-              <a:solidFill>
-                <a:srgbClr val="000000"/>
-              </a:solidFill>
-              <a:uFill>
-                <a:solidFill>
-                  <a:srgbClr val="ffffff"/>
-                </a:solidFill>
-              </a:uFill>
-              <a:latin typeface="Arial"/>
+            <a:endParaRPr b="0" lang="en-US" sz="2400" spc="-1" strike="noStrike">
+              <a:solidFill>
+                <a:srgbClr val="000000"/>
+              </a:solidFill>
+              <a:uFill>
+                <a:solidFill>
+                  <a:srgbClr val="ffffff"/>
+                </a:solidFill>
+              </a:uFill>
+              <a:latin typeface="Times New Roman"/>
             </a:endParaRPr>
           </a:p>
           <a:p>
@@ -3648,16 +3594,31 @@
                 <a:spcPct val="100000"/>
               </a:lnSpc>
             </a:pPr>
-            <a:endParaRPr b="0" lang="en-US" sz="1800" spc="-1" strike="noStrike">
-              <a:solidFill>
-                <a:srgbClr val="000000"/>
-              </a:solidFill>
-              <a:uFill>
-                <a:solidFill>
-                  <a:srgbClr val="ffffff"/>
-                </a:solidFill>
-              </a:uFill>
-              <a:latin typeface="Arial"/>
+            <a:r>
+              <a:rPr b="1" lang="en-US" sz="4000" spc="-1" strike="noStrike">
+                <a:solidFill>
+                  <a:srgbClr val="000000"/>
+                </a:solidFill>
+                <a:uFill>
+                  <a:solidFill>
+                    <a:srgbClr val="ffffff"/>
+                  </a:solidFill>
+                </a:uFill>
+                <a:latin typeface="Calibri"/>
+                <a:ea typeface="DejaVu Sans"/>
+              </a:rPr>
+              <a:t>a) A Java API where we use Apache Tomcat and we implement endpoints    </a:t>
+            </a:r>
+            <a:endParaRPr b="0" lang="en-US" sz="2400" spc="-1" strike="noStrike">
+              <a:solidFill>
+                <a:srgbClr val="000000"/>
+              </a:solidFill>
+              <a:uFill>
+                <a:solidFill>
+                  <a:srgbClr val="ffffff"/>
+                </a:solidFill>
+              </a:uFill>
+              <a:latin typeface="Times New Roman"/>
             </a:endParaRPr>
           </a:p>
           <a:p>
@@ -3666,36 +3627,72 @@
                 <a:spcPct val="100000"/>
               </a:lnSpc>
             </a:pPr>
-            <a:endParaRPr b="0" lang="en-US" sz="1800" spc="-1" strike="noStrike">
-              <a:solidFill>
-                <a:srgbClr val="000000"/>
-              </a:solidFill>
-              <a:uFill>
-                <a:solidFill>
-                  <a:srgbClr val="ffffff"/>
-                </a:solidFill>
-              </a:uFill>
-              <a:latin typeface="Arial"/>
-            </a:endParaRPr>
-          </a:p>
-        </p:txBody>
-      </p:sp>
-      <p:sp>
-        <p:nvSpPr>
-          <p:cNvPr id="62" name="CustomShape 22"/>
+            <a:endParaRPr b="0" lang="en-US" sz="2400" spc="-1" strike="noStrike">
+              <a:solidFill>
+                <a:srgbClr val="000000"/>
+              </a:solidFill>
+              <a:uFill>
+                <a:solidFill>
+                  <a:srgbClr val="ffffff"/>
+                </a:solidFill>
+              </a:uFill>
+              <a:latin typeface="Times New Roman"/>
+            </a:endParaRPr>
+          </a:p>
+          <a:p>
+            <a:pPr>
+              <a:lnSpc>
+                <a:spcPct val="100000"/>
+              </a:lnSpc>
+            </a:pPr>
+            <a:endParaRPr b="0" lang="en-US" sz="2400" spc="-1" strike="noStrike">
+              <a:solidFill>
+                <a:srgbClr val="000000"/>
+              </a:solidFill>
+              <a:uFill>
+                <a:solidFill>
+                  <a:srgbClr val="ffffff"/>
+                </a:solidFill>
+              </a:uFill>
+              <a:latin typeface="Times New Roman"/>
+            </a:endParaRPr>
+          </a:p>
+          <a:p>
+            <a:pPr>
+              <a:lnSpc>
+                <a:spcPct val="100000"/>
+              </a:lnSpc>
+            </a:pPr>
+            <a:endParaRPr b="0" lang="en-US" sz="2400" spc="-1" strike="noStrike">
+              <a:solidFill>
+                <a:srgbClr val="000000"/>
+              </a:solidFill>
+              <a:uFill>
+                <a:solidFill>
+                  <a:srgbClr val="ffffff"/>
+                </a:solidFill>
+              </a:uFill>
+              <a:latin typeface="Times New Roman"/>
+            </a:endParaRPr>
+          </a:p>
+        </p:txBody>
+      </p:sp>
+      <p:sp>
+        <p:nvSpPr>
+          <p:cNvPr id="61" name="CustomShape 21"/>
           <p:cNvSpPr/>
           <p:nvPr/>
         </p:nvSpPr>
         <p:spPr>
           <a:xfrm>
-            <a:off x="9853920" y="22331520"/>
-            <a:ext cx="1005840" cy="640080"/>
+            <a:off x="9853920" y="24347520"/>
+            <a:ext cx="1005120" cy="639360"/>
           </a:xfrm>
           <a:custGeom>
             <a:avLst/>
             <a:gdLst/>
             <a:ahLst/>
-            <a:rect l="0" t="0" r="r" b="b"/>
+            <a:rect l="l" t="t" r="r" b="b"/>
             <a:pathLst>
               <a:path w="2796" h="1780">
                 <a:moveTo>
@@ -3741,45 +3738,22 @@
           <a:fontRef idx="minor"/>
         </p:style>
       </p:sp>
-      <p:pic>
-        <p:nvPicPr>
-          <p:cNvPr id="63" name="" descr=""/>
-          <p:cNvPicPr/>
-          <p:nvPr/>
-        </p:nvPicPr>
-        <p:blipFill>
-          <a:blip r:embed="rId4"/>
-          <a:stretch/>
-        </p:blipFill>
-        <p:spPr>
-          <a:xfrm>
-            <a:off x="4824720" y="21234240"/>
-            <a:ext cx="4822200" cy="2782440"/>
-          </a:xfrm>
-          <a:prstGeom prst="rect">
-            <a:avLst/>
-          </a:prstGeom>
-          <a:ln>
-            <a:noFill/>
-          </a:ln>
-        </p:spPr>
-      </p:pic>
-      <p:sp>
-        <p:nvSpPr>
-          <p:cNvPr id="64" name="CustomShape 23"/>
+      <p:sp>
+        <p:nvSpPr>
+          <p:cNvPr id="62" name="CustomShape 22"/>
           <p:cNvSpPr/>
           <p:nvPr/>
         </p:nvSpPr>
         <p:spPr>
           <a:xfrm>
-            <a:off x="11042640" y="21325680"/>
-            <a:ext cx="1828800" cy="2377440"/>
+            <a:off x="11042640" y="23341680"/>
+            <a:ext cx="1828080" cy="2376720"/>
           </a:xfrm>
           <a:custGeom>
             <a:avLst/>
             <a:gdLst/>
             <a:ahLst/>
-            <a:rect l="0" t="0" r="r" b="b"/>
+            <a:rect l="l" t="t" r="r" b="b"/>
             <a:pathLst>
               <a:path w="5081" h="7381">
                 <a:moveTo>
@@ -4481,7 +4455,11 @@
         <p:txBody>
           <a:bodyPr wrap="none" lIns="90000" rIns="90000" tIns="45000" bIns="45000" anchor="ctr"/>
           <a:p>
-            <a:pPr algn="ctr"/>
+            <a:pPr algn="ctr">
+              <a:lnSpc>
+                <a:spcPct val="100000"/>
+              </a:lnSpc>
+            </a:pPr>
             <a:r>
               <a:rPr b="0" lang="en-US" sz="1800" spc="-1" strike="noStrike">
                 <a:solidFill>
@@ -4493,39 +4471,40 @@
                   </a:solidFill>
                 </a:uFill>
                 <a:latin typeface="Arial"/>
+                <a:ea typeface="DejaVu Sans"/>
               </a:rPr>
               <a:t>Parsing</a:t>
             </a:r>
-            <a:endParaRPr b="0" lang="en-US" sz="1800" spc="-1" strike="noStrike">
-              <a:solidFill>
-                <a:srgbClr val="000000"/>
-              </a:solidFill>
-              <a:uFill>
-                <a:solidFill>
-                  <a:srgbClr val="ffffff"/>
-                </a:solidFill>
-              </a:uFill>
-              <a:latin typeface="Arial"/>
-            </a:endParaRPr>
-          </a:p>
-        </p:txBody>
-      </p:sp>
-      <p:sp>
-        <p:nvSpPr>
-          <p:cNvPr id="65" name="CustomShape 24"/>
+            <a:endParaRPr b="0" lang="en-US" sz="2400" spc="-1" strike="noStrike">
+              <a:solidFill>
+                <a:srgbClr val="000000"/>
+              </a:solidFill>
+              <a:uFill>
+                <a:solidFill>
+                  <a:srgbClr val="ffffff"/>
+                </a:solidFill>
+              </a:uFill>
+              <a:latin typeface="Times New Roman"/>
+            </a:endParaRPr>
+          </a:p>
+        </p:txBody>
+      </p:sp>
+      <p:sp>
+        <p:nvSpPr>
+          <p:cNvPr id="63" name="CustomShape 23"/>
           <p:cNvSpPr/>
           <p:nvPr/>
         </p:nvSpPr>
         <p:spPr>
           <a:xfrm>
-            <a:off x="13054320" y="22331520"/>
-            <a:ext cx="1005840" cy="640080"/>
+            <a:off x="13054320" y="24347520"/>
+            <a:ext cx="1005120" cy="639360"/>
           </a:xfrm>
           <a:custGeom>
             <a:avLst/>
             <a:gdLst/>
             <a:ahLst/>
-            <a:rect l="0" t="0" r="r" b="b"/>
+            <a:rect l="l" t="t" r="r" b="b"/>
             <a:pathLst>
               <a:path w="2796" h="1780">
                 <a:moveTo>
@@ -4571,62 +4550,16 @@
           <a:fontRef idx="minor"/>
         </p:style>
       </p:sp>
-      <p:pic>
-        <p:nvPicPr>
-          <p:cNvPr id="66" name="" descr=""/>
-          <p:cNvPicPr/>
-          <p:nvPr/>
-        </p:nvPicPr>
-        <p:blipFill>
-          <a:blip r:embed="rId5"/>
-          <a:stretch/>
-        </p:blipFill>
-        <p:spPr>
-          <a:xfrm>
-            <a:off x="14406480" y="21064680"/>
-            <a:ext cx="4663440" cy="3187080"/>
-          </a:xfrm>
-          <a:prstGeom prst="rect">
-            <a:avLst/>
-          </a:prstGeom>
-          <a:ln>
-            <a:noFill/>
-          </a:ln>
-        </p:spPr>
-      </p:pic>
-      <p:pic>
-        <p:nvPicPr>
-          <p:cNvPr id="67" name="" descr=""/>
-          <p:cNvPicPr/>
-          <p:nvPr/>
-        </p:nvPicPr>
-        <p:blipFill>
-          <a:blip r:embed="rId6"/>
-          <a:stretch/>
-        </p:blipFill>
-        <p:spPr>
-          <a:xfrm>
-            <a:off x="19272240" y="21058200"/>
-            <a:ext cx="4586040" cy="3193560"/>
-          </a:xfrm>
-          <a:prstGeom prst="rect">
-            <a:avLst/>
-          </a:prstGeom>
-          <a:ln>
-            <a:noFill/>
-          </a:ln>
-        </p:spPr>
-      </p:pic>
-      <p:sp>
-        <p:nvSpPr>
-          <p:cNvPr id="68" name="CustomShape 25"/>
+      <p:sp>
+        <p:nvSpPr>
+          <p:cNvPr id="64" name="CustomShape 24"/>
           <p:cNvSpPr/>
           <p:nvPr/>
         </p:nvSpPr>
         <p:spPr>
           <a:xfrm>
-            <a:off x="1149840" y="13970520"/>
-            <a:ext cx="14851800" cy="2009520"/>
+            <a:off x="1149840" y="14726520"/>
+            <a:ext cx="14851080" cy="2008800"/>
           </a:xfrm>
           <a:prstGeom prst="rect">
             <a:avLst/>
@@ -4665,30 +4598,30 @@
               </a:rPr>
               <a:t>From OPC UA to Ontology</a:t>
             </a:r>
-            <a:endParaRPr b="0" lang="en-US" sz="1800" spc="-1" strike="noStrike">
-              <a:solidFill>
-                <a:srgbClr val="000000"/>
-              </a:solidFill>
-              <a:uFill>
-                <a:solidFill>
-                  <a:srgbClr val="ffffff"/>
-                </a:solidFill>
-              </a:uFill>
-              <a:latin typeface="Arial"/>
-            </a:endParaRPr>
-          </a:p>
-        </p:txBody>
-      </p:sp>
-      <p:sp>
-        <p:nvSpPr>
-          <p:cNvPr id="69" name="CustomShape 26"/>
+            <a:endParaRPr b="0" lang="en-US" sz="2400" spc="-1" strike="noStrike">
+              <a:solidFill>
+                <a:srgbClr val="000000"/>
+              </a:solidFill>
+              <a:uFill>
+                <a:solidFill>
+                  <a:srgbClr val="ffffff"/>
+                </a:solidFill>
+              </a:uFill>
+              <a:latin typeface="Times New Roman"/>
+            </a:endParaRPr>
+          </a:p>
+        </p:txBody>
+      </p:sp>
+      <p:sp>
+        <p:nvSpPr>
+          <p:cNvPr id="65" name="CustomShape 25"/>
           <p:cNvSpPr/>
           <p:nvPr/>
         </p:nvSpPr>
         <p:spPr>
           <a:xfrm>
-            <a:off x="1026360" y="15228360"/>
-            <a:ext cx="28325880" cy="1572120"/>
+            <a:off x="1026360" y="16164360"/>
+            <a:ext cx="28325160" cy="1571400"/>
           </a:xfrm>
           <a:prstGeom prst="rect">
             <a:avLst/>
@@ -4727,16 +4660,16 @@
               </a:rPr>
               <a:t>To accomplish this we used a modified version of Ontmalizer… (add more info and images here)</a:t>
             </a:r>
-            <a:endParaRPr b="0" lang="en-US" sz="1800" spc="-1" strike="noStrike">
-              <a:solidFill>
-                <a:srgbClr val="000000"/>
-              </a:solidFill>
-              <a:uFill>
-                <a:solidFill>
-                  <a:srgbClr val="ffffff"/>
-                </a:solidFill>
-              </a:uFill>
-              <a:latin typeface="Arial"/>
+            <a:endParaRPr b="0" lang="en-US" sz="2400" spc="-1" strike="noStrike">
+              <a:solidFill>
+                <a:srgbClr val="000000"/>
+              </a:solidFill>
+              <a:uFill>
+                <a:solidFill>
+                  <a:srgbClr val="ffffff"/>
+                </a:solidFill>
+              </a:uFill>
+              <a:latin typeface="Times New Roman"/>
             </a:endParaRPr>
           </a:p>
           <a:p>
@@ -4745,16 +4678,16 @@
                 <a:spcPct val="100000"/>
               </a:lnSpc>
             </a:pPr>
-            <a:endParaRPr b="0" lang="en-US" sz="1800" spc="-1" strike="noStrike">
-              <a:solidFill>
-                <a:srgbClr val="000000"/>
-              </a:solidFill>
-              <a:uFill>
-                <a:solidFill>
-                  <a:srgbClr val="ffffff"/>
-                </a:solidFill>
-              </a:uFill>
-              <a:latin typeface="Arial"/>
+            <a:endParaRPr b="0" lang="en-US" sz="2400" spc="-1" strike="noStrike">
+              <a:solidFill>
+                <a:srgbClr val="000000"/>
+              </a:solidFill>
+              <a:uFill>
+                <a:solidFill>
+                  <a:srgbClr val="ffffff"/>
+                </a:solidFill>
+              </a:uFill>
+              <a:latin typeface="Times New Roman"/>
             </a:endParaRPr>
           </a:p>
           <a:p>
@@ -4763,16 +4696,16 @@
                 <a:spcPct val="100000"/>
               </a:lnSpc>
             </a:pPr>
-            <a:endParaRPr b="0" lang="en-US" sz="1800" spc="-1" strike="noStrike">
-              <a:solidFill>
-                <a:srgbClr val="000000"/>
-              </a:solidFill>
-              <a:uFill>
-                <a:solidFill>
-                  <a:srgbClr val="ffffff"/>
-                </a:solidFill>
-              </a:uFill>
-              <a:latin typeface="Arial"/>
+            <a:endParaRPr b="0" lang="en-US" sz="2400" spc="-1" strike="noStrike">
+              <a:solidFill>
+                <a:srgbClr val="000000"/>
+              </a:solidFill>
+              <a:uFill>
+                <a:solidFill>
+                  <a:srgbClr val="ffffff"/>
+                </a:solidFill>
+              </a:uFill>
+              <a:latin typeface="Times New Roman"/>
             </a:endParaRPr>
           </a:p>
           <a:p>
@@ -4781,30 +4714,30 @@
                 <a:spcPct val="100000"/>
               </a:lnSpc>
             </a:pPr>
-            <a:endParaRPr b="0" lang="en-US" sz="1800" spc="-1" strike="noStrike">
-              <a:solidFill>
-                <a:srgbClr val="000000"/>
-              </a:solidFill>
-              <a:uFill>
-                <a:solidFill>
-                  <a:srgbClr val="ffffff"/>
-                </a:solidFill>
-              </a:uFill>
-              <a:latin typeface="Arial"/>
-            </a:endParaRPr>
-          </a:p>
-        </p:txBody>
-      </p:sp>
-      <p:sp>
-        <p:nvSpPr>
-          <p:cNvPr id="70" name="CustomShape 27"/>
+            <a:endParaRPr b="0" lang="en-US" sz="2400" spc="-1" strike="noStrike">
+              <a:solidFill>
+                <a:srgbClr val="000000"/>
+              </a:solidFill>
+              <a:uFill>
+                <a:solidFill>
+                  <a:srgbClr val="ffffff"/>
+                </a:solidFill>
+              </a:uFill>
+              <a:latin typeface="Times New Roman"/>
+            </a:endParaRPr>
+          </a:p>
+        </p:txBody>
+      </p:sp>
+      <p:sp>
+        <p:nvSpPr>
+          <p:cNvPr id="66" name="CustomShape 26"/>
           <p:cNvSpPr/>
           <p:nvPr/>
         </p:nvSpPr>
         <p:spPr>
           <a:xfrm>
-            <a:off x="1005840" y="24590520"/>
-            <a:ext cx="14851800" cy="2009520"/>
+            <a:off x="1005840" y="28946520"/>
+            <a:ext cx="14851080" cy="2008800"/>
           </a:xfrm>
           <a:prstGeom prst="rect">
             <a:avLst/>
@@ -4843,30 +4776,30 @@
               </a:rPr>
               <a:t>Conclusions and open problems</a:t>
             </a:r>
-            <a:endParaRPr b="0" lang="en-US" sz="1800" spc="-1" strike="noStrike">
-              <a:solidFill>
-                <a:srgbClr val="000000"/>
-              </a:solidFill>
-              <a:uFill>
-                <a:solidFill>
-                  <a:srgbClr val="ffffff"/>
-                </a:solidFill>
-              </a:uFill>
-              <a:latin typeface="Arial"/>
-            </a:endParaRPr>
-          </a:p>
-        </p:txBody>
-      </p:sp>
-      <p:sp>
-        <p:nvSpPr>
-          <p:cNvPr id="71" name="CustomShape 28"/>
+            <a:endParaRPr b="0" lang="en-US" sz="2400" spc="-1" strike="noStrike">
+              <a:solidFill>
+                <a:srgbClr val="000000"/>
+              </a:solidFill>
+              <a:uFill>
+                <a:solidFill>
+                  <a:srgbClr val="ffffff"/>
+                </a:solidFill>
+              </a:uFill>
+              <a:latin typeface="Times New Roman"/>
+            </a:endParaRPr>
+          </a:p>
+        </p:txBody>
+      </p:sp>
+      <p:sp>
+        <p:nvSpPr>
+          <p:cNvPr id="67" name="CustomShape 27"/>
           <p:cNvSpPr/>
           <p:nvPr/>
         </p:nvSpPr>
         <p:spPr>
           <a:xfrm>
-            <a:off x="1026360" y="26100360"/>
-            <a:ext cx="28691640" cy="4143960"/>
+            <a:off x="1026360" y="30564360"/>
+            <a:ext cx="28690920" cy="2348280"/>
           </a:xfrm>
           <a:prstGeom prst="rect">
             <a:avLst/>
@@ -4905,16 +4838,16 @@
               </a:rPr>
               <a:t>In this work we deal with the OPC UA standards, however, it is not the only M2M protocol that exists. We think it is possible to extend the current implementation to different M2M solutions, for example, AML.  Given the increasing popularity of IoT, we think that is possible to build new things over our project.</a:t>
             </a:r>
-            <a:endParaRPr b="0" lang="en-US" sz="1800" spc="-1" strike="noStrike">
-              <a:solidFill>
-                <a:srgbClr val="000000"/>
-              </a:solidFill>
-              <a:uFill>
-                <a:solidFill>
-                  <a:srgbClr val="ffffff"/>
-                </a:solidFill>
-              </a:uFill>
-              <a:latin typeface="Arial"/>
+            <a:endParaRPr b="0" lang="en-US" sz="2400" spc="-1" strike="noStrike">
+              <a:solidFill>
+                <a:srgbClr val="000000"/>
+              </a:solidFill>
+              <a:uFill>
+                <a:solidFill>
+                  <a:srgbClr val="ffffff"/>
+                </a:solidFill>
+              </a:uFill>
+              <a:latin typeface="Times New Roman"/>
             </a:endParaRPr>
           </a:p>
           <a:p>
@@ -4923,16 +4856,16 @@
                 <a:spcPct val="100000"/>
               </a:lnSpc>
             </a:pPr>
-            <a:endParaRPr b="0" lang="en-US" sz="1800" spc="-1" strike="noStrike">
-              <a:solidFill>
-                <a:srgbClr val="000000"/>
-              </a:solidFill>
-              <a:uFill>
-                <a:solidFill>
-                  <a:srgbClr val="ffffff"/>
-                </a:solidFill>
-              </a:uFill>
-              <a:latin typeface="Arial"/>
+            <a:endParaRPr b="0" lang="en-US" sz="2400" spc="-1" strike="noStrike">
+              <a:solidFill>
+                <a:srgbClr val="000000"/>
+              </a:solidFill>
+              <a:uFill>
+                <a:solidFill>
+                  <a:srgbClr val="ffffff"/>
+                </a:solidFill>
+              </a:uFill>
+              <a:latin typeface="Times New Roman"/>
             </a:endParaRPr>
           </a:p>
           <a:p>
@@ -4941,16 +4874,16 @@
                 <a:spcPct val="100000"/>
               </a:lnSpc>
             </a:pPr>
-            <a:endParaRPr b="0" lang="en-US" sz="1800" spc="-1" strike="noStrike">
-              <a:solidFill>
-                <a:srgbClr val="000000"/>
-              </a:solidFill>
-              <a:uFill>
-                <a:solidFill>
-                  <a:srgbClr val="ffffff"/>
-                </a:solidFill>
-              </a:uFill>
-              <a:latin typeface="Arial"/>
+            <a:endParaRPr b="0" lang="en-US" sz="2400" spc="-1" strike="noStrike">
+              <a:solidFill>
+                <a:srgbClr val="000000"/>
+              </a:solidFill>
+              <a:uFill>
+                <a:solidFill>
+                  <a:srgbClr val="ffffff"/>
+                </a:solidFill>
+              </a:uFill>
+              <a:latin typeface="Times New Roman"/>
             </a:endParaRPr>
           </a:p>
           <a:p>
@@ -4959,30 +4892,30 @@
                 <a:spcPct val="100000"/>
               </a:lnSpc>
             </a:pPr>
-            <a:endParaRPr b="0" lang="en-US" sz="1800" spc="-1" strike="noStrike">
-              <a:solidFill>
-                <a:srgbClr val="000000"/>
-              </a:solidFill>
-              <a:uFill>
-                <a:solidFill>
-                  <a:srgbClr val="ffffff"/>
-                </a:solidFill>
-              </a:uFill>
-              <a:latin typeface="Arial"/>
-            </a:endParaRPr>
-          </a:p>
-        </p:txBody>
-      </p:sp>
-      <p:sp>
-        <p:nvSpPr>
-          <p:cNvPr id="72" name="CustomShape 29"/>
+            <a:endParaRPr b="0" lang="en-US" sz="2400" spc="-1" strike="noStrike">
+              <a:solidFill>
+                <a:srgbClr val="000000"/>
+              </a:solidFill>
+              <a:uFill>
+                <a:solidFill>
+                  <a:srgbClr val="ffffff"/>
+                </a:solidFill>
+              </a:uFill>
+              <a:latin typeface="Times New Roman"/>
+            </a:endParaRPr>
+          </a:p>
+        </p:txBody>
+      </p:sp>
+      <p:sp>
+        <p:nvSpPr>
+          <p:cNvPr id="68" name="CustomShape 28"/>
           <p:cNvSpPr/>
           <p:nvPr/>
         </p:nvSpPr>
         <p:spPr>
           <a:xfrm>
             <a:off x="792360" y="33558480"/>
-            <a:ext cx="16314840" cy="2009520"/>
+            <a:ext cx="16314120" cy="2008800"/>
           </a:xfrm>
           <a:prstGeom prst="rect">
             <a:avLst/>
@@ -5021,23 +4954,296 @@
               </a:rPr>
               <a:t>Tools</a:t>
             </a:r>
-            <a:endParaRPr b="0" lang="en-US" sz="1800" spc="-1" strike="noStrike">
-              <a:solidFill>
-                <a:srgbClr val="000000"/>
-              </a:solidFill>
-              <a:uFill>
-                <a:solidFill>
-                  <a:srgbClr val="ffffff"/>
-                </a:solidFill>
-              </a:uFill>
-              <a:latin typeface="Arial"/>
+            <a:endParaRPr b="0" lang="en-US" sz="2400" spc="-1" strike="noStrike">
+              <a:solidFill>
+                <a:srgbClr val="000000"/>
+              </a:solidFill>
+              <a:uFill>
+                <a:solidFill>
+                  <a:srgbClr val="ffffff"/>
+                </a:solidFill>
+              </a:uFill>
+              <a:latin typeface="Times New Roman"/>
             </a:endParaRPr>
           </a:p>
         </p:txBody>
       </p:sp>
       <p:pic>
         <p:nvPicPr>
-          <p:cNvPr id="73" name="" descr=""/>
+          <p:cNvPr id="69" name="" descr=""/>
+          <p:cNvPicPr/>
+          <p:nvPr/>
+        </p:nvPicPr>
+        <p:blipFill>
+          <a:blip r:embed="rId4"/>
+          <a:stretch/>
+        </p:blipFill>
+        <p:spPr>
+          <a:xfrm>
+            <a:off x="12230280" y="35753040"/>
+            <a:ext cx="2856600" cy="1904040"/>
+          </a:xfrm>
+          <a:prstGeom prst="rect">
+            <a:avLst/>
+          </a:prstGeom>
+          <a:ln>
+            <a:noFill/>
+          </a:ln>
+        </p:spPr>
+      </p:pic>
+      <p:pic>
+        <p:nvPicPr>
+          <p:cNvPr id="70" name="" descr=""/>
+          <p:cNvPicPr/>
+          <p:nvPr/>
+        </p:nvPicPr>
+        <p:blipFill>
+          <a:blip r:embed="rId5"/>
+          <a:stretch/>
+        </p:blipFill>
+        <p:spPr>
+          <a:xfrm>
+            <a:off x="8020440" y="34930080"/>
+            <a:ext cx="2220120" cy="3255480"/>
+          </a:xfrm>
+          <a:prstGeom prst="rect">
+            <a:avLst/>
+          </a:prstGeom>
+          <a:ln>
+            <a:noFill/>
+          </a:ln>
+        </p:spPr>
+      </p:pic>
+      <p:pic>
+        <p:nvPicPr>
+          <p:cNvPr id="71" name="" descr=""/>
+          <p:cNvPicPr/>
+          <p:nvPr/>
+        </p:nvPicPr>
+        <p:blipFill>
+          <a:blip r:embed="rId6"/>
+          <a:stretch/>
+        </p:blipFill>
+        <p:spPr>
+          <a:xfrm>
+            <a:off x="2591280" y="34961040"/>
+            <a:ext cx="3808800" cy="3808800"/>
+          </a:xfrm>
+          <a:prstGeom prst="rect">
+            <a:avLst/>
+          </a:prstGeom>
+          <a:ln>
+            <a:noFill/>
+          </a:ln>
+        </p:spPr>
+      </p:pic>
+      <p:sp>
+        <p:nvSpPr>
+          <p:cNvPr id="72" name="CustomShape 29"/>
+          <p:cNvSpPr/>
+          <p:nvPr/>
+        </p:nvSpPr>
+        <p:spPr>
+          <a:xfrm>
+            <a:off x="15361920" y="9430560"/>
+            <a:ext cx="14851080" cy="2008800"/>
+          </a:xfrm>
+          <a:prstGeom prst="rect">
+            <a:avLst/>
+          </a:prstGeom>
+          <a:noFill/>
+          <a:ln>
+            <a:noFill/>
+          </a:ln>
+        </p:spPr>
+        <p:style>
+          <a:lnRef idx="0"/>
+          <a:fillRef idx="0"/>
+          <a:effectRef idx="0"/>
+          <a:fontRef idx="minor"/>
+        </p:style>
+        <p:txBody>
+          <a:bodyPr lIns="90000" rIns="90000" tIns="45000" bIns="45000"/>
+          <a:p>
+            <a:pPr>
+              <a:lnSpc>
+                <a:spcPct val="100000"/>
+              </a:lnSpc>
+            </a:pPr>
+            <a:r>
+              <a:rPr b="1" lang="en-US" sz="8000" spc="-1" strike="noStrike">
+                <a:solidFill>
+                  <a:srgbClr val="1f497d"/>
+                </a:solidFill>
+                <a:uFill>
+                  <a:solidFill>
+                    <a:srgbClr val="ffffff"/>
+                  </a:solidFill>
+                </a:uFill>
+                <a:latin typeface="Calibri"/>
+                <a:ea typeface="DejaVu Sans"/>
+              </a:rPr>
+              <a:t>Our challenges</a:t>
+            </a:r>
+            <a:endParaRPr b="0" lang="en-US" sz="2400" spc="-1" strike="noStrike">
+              <a:solidFill>
+                <a:srgbClr val="000000"/>
+              </a:solidFill>
+              <a:uFill>
+                <a:solidFill>
+                  <a:srgbClr val="ffffff"/>
+                </a:solidFill>
+              </a:uFill>
+              <a:latin typeface="Times New Roman"/>
+            </a:endParaRPr>
+          </a:p>
+        </p:txBody>
+      </p:sp>
+      <p:sp>
+        <p:nvSpPr>
+          <p:cNvPr id="73" name="CustomShape 30"/>
+          <p:cNvSpPr/>
+          <p:nvPr/>
+        </p:nvSpPr>
+        <p:spPr>
+          <a:xfrm>
+            <a:off x="15270480" y="10858680"/>
+            <a:ext cx="13989240" cy="2273400"/>
+          </a:xfrm>
+          <a:prstGeom prst="rect">
+            <a:avLst/>
+          </a:prstGeom>
+          <a:noFill/>
+          <a:ln>
+            <a:noFill/>
+          </a:ln>
+        </p:spPr>
+        <p:style>
+          <a:lnRef idx="0"/>
+          <a:fillRef idx="0"/>
+          <a:effectRef idx="0"/>
+          <a:fontRef idx="minor"/>
+        </p:style>
+        <p:txBody>
+          <a:bodyPr lIns="90000" rIns="90000" tIns="45000" bIns="45000"/>
+          <a:p>
+            <a:pPr>
+              <a:lnSpc>
+                <a:spcPct val="100000"/>
+              </a:lnSpc>
+            </a:pPr>
+            <a:endParaRPr b="0" lang="en-US" sz="2400" spc="-1" strike="noStrike">
+              <a:solidFill>
+                <a:srgbClr val="000000"/>
+              </a:solidFill>
+              <a:uFill>
+                <a:solidFill>
+                  <a:srgbClr val="ffffff"/>
+                </a:solidFill>
+              </a:uFill>
+              <a:latin typeface="Times New Roman"/>
+            </a:endParaRPr>
+          </a:p>
+          <a:p>
+            <a:pPr>
+              <a:lnSpc>
+                <a:spcPct val="100000"/>
+              </a:lnSpc>
+            </a:pPr>
+            <a:r>
+              <a:rPr b="1" lang="en-US" sz="4000" spc="-1" strike="noStrike">
+                <a:solidFill>
+                  <a:srgbClr val="000000"/>
+                </a:solidFill>
+                <a:uFill>
+                  <a:solidFill>
+                    <a:srgbClr val="ffffff"/>
+                  </a:solidFill>
+                </a:uFill>
+                <a:latin typeface="Calibri"/>
+                <a:ea typeface="DejaVu Sans"/>
+              </a:rPr>
+              <a:t>We found few relevant works managing similar problems. That forced us to consult the documentation to understand how OPC UA works. Because the access to the original files was restricted and private. We had few –although enough– material to work with. Plug different technologies in the server (Java EE) and client side (Node.js).</a:t>
+            </a:r>
+            <a:endParaRPr b="0" lang="en-US" sz="2400" spc="-1" strike="noStrike">
+              <a:solidFill>
+                <a:srgbClr val="000000"/>
+              </a:solidFill>
+              <a:uFill>
+                <a:solidFill>
+                  <a:srgbClr val="ffffff"/>
+                </a:solidFill>
+              </a:uFill>
+              <a:latin typeface="Times New Roman"/>
+            </a:endParaRPr>
+          </a:p>
+        </p:txBody>
+      </p:sp>
+      <p:sp>
+        <p:nvSpPr>
+          <p:cNvPr id="74" name="CustomShape 31"/>
+          <p:cNvSpPr/>
+          <p:nvPr/>
+        </p:nvSpPr>
+        <p:spPr>
+          <a:xfrm>
+            <a:off x="10425240" y="4070880"/>
+            <a:ext cx="13897800" cy="914400"/>
+          </a:xfrm>
+          <a:prstGeom prst="rect">
+            <a:avLst/>
+          </a:prstGeom>
+          <a:noFill/>
+          <a:ln>
+            <a:noFill/>
+          </a:ln>
+        </p:spPr>
+        <p:style>
+          <a:lnRef idx="0"/>
+          <a:fillRef idx="0"/>
+          <a:effectRef idx="0"/>
+          <a:fontRef idx="minor"/>
+        </p:style>
+        <p:txBody>
+          <a:bodyPr lIns="90000" rIns="90000" tIns="45000" bIns="45000"/>
+          <a:p>
+            <a:pPr>
+              <a:lnSpc>
+                <a:spcPct val="100000"/>
+              </a:lnSpc>
+            </a:pPr>
+            <a:r>
+              <a:rPr b="1" lang="en-US" sz="4000" spc="-1" strike="noStrike">
+                <a:solidFill>
+                  <a:srgbClr val="000000"/>
+                </a:solidFill>
+                <a:uFill>
+                  <a:solidFill>
+                    <a:srgbClr val="ffffff"/>
+                  </a:solidFill>
+                </a:uFill>
+                <a:latin typeface="Calibri"/>
+                <a:ea typeface="DejaVu Sans"/>
+              </a:rPr>
+              <a:t>Shinho Kang, Aleksandr Korovin, Omar Gutiérrez, Alexey Karpov</a:t>
+            </a:r>
+            <a:endParaRPr b="0" lang="en-US" sz="2400" spc="-1" strike="noStrike">
+              <a:solidFill>
+                <a:srgbClr val="000000"/>
+              </a:solidFill>
+              <a:uFill>
+                <a:solidFill>
+                  <a:srgbClr val="ffffff"/>
+                </a:solidFill>
+              </a:uFill>
+              <a:latin typeface="Times New Roman"/>
+            </a:endParaRPr>
+          </a:p>
+        </p:txBody>
+      </p:sp>
+      <p:pic>
+        <p:nvPicPr>
+          <p:cNvPr id="75" name="" descr=""/>
           <p:cNvPicPr/>
           <p:nvPr/>
         </p:nvPicPr>
@@ -5047,54 +5253,8 @@
         </p:blipFill>
         <p:spPr>
           <a:xfrm>
-            <a:off x="12230280" y="35753040"/>
-            <a:ext cx="2857320" cy="1904760"/>
-          </a:xfrm>
-          <a:prstGeom prst="rect">
-            <a:avLst/>
-          </a:prstGeom>
-          <a:ln>
-            <a:noFill/>
-          </a:ln>
-        </p:spPr>
-      </p:pic>
-      <p:pic>
-        <p:nvPicPr>
-          <p:cNvPr id="74" name="" descr=""/>
-          <p:cNvPicPr/>
-          <p:nvPr/>
-        </p:nvPicPr>
-        <p:blipFill>
-          <a:blip r:embed="rId8"/>
-          <a:stretch/>
-        </p:blipFill>
-        <p:spPr>
-          <a:xfrm>
-            <a:off x="8020440" y="34930080"/>
-            <a:ext cx="2220840" cy="3256200"/>
-          </a:xfrm>
-          <a:prstGeom prst="rect">
-            <a:avLst/>
-          </a:prstGeom>
-          <a:ln>
-            <a:noFill/>
-          </a:ln>
-        </p:spPr>
-      </p:pic>
-      <p:pic>
-        <p:nvPicPr>
-          <p:cNvPr id="75" name="" descr=""/>
-          <p:cNvPicPr/>
-          <p:nvPr/>
-        </p:nvPicPr>
-        <p:blipFill>
-          <a:blip r:embed="rId9"/>
-          <a:stretch/>
-        </p:blipFill>
-        <p:spPr>
-          <a:xfrm>
-            <a:off x="2591280" y="34961040"/>
-            <a:ext cx="3809520" cy="3809520"/>
+            <a:off x="1675800" y="1282320"/>
+            <a:ext cx="2932200" cy="2630160"/>
           </a:xfrm>
           <a:prstGeom prst="rect">
             <a:avLst/>

--- a/7poster/poster.pptx
+++ b/7poster/poster.pptx
@@ -63,8 +63,8 @@
         </p:nvSpPr>
         <p:spPr>
           <a:xfrm>
-            <a:off x="1513800" y="42310440"/>
-            <a:ext cx="27251280" cy="625320"/>
+            <a:off x="1513800" y="1707840"/>
+            <a:ext cx="27251280" cy="7147800"/>
           </a:xfrm>
           <a:prstGeom prst="rect">
             <a:avLst/>
@@ -100,8 +100,8 @@
         </p:nvSpPr>
         <p:spPr>
           <a:xfrm>
-            <a:off x="1513800" y="42646320"/>
-            <a:ext cx="27251280" cy="56880"/>
+            <a:off x="1513800" y="10016280"/>
+            <a:ext cx="27251280" cy="11842200"/>
           </a:xfrm>
           <a:prstGeom prst="rect">
             <a:avLst/>
@@ -136,8 +136,8 @@
         </p:nvSpPr>
         <p:spPr>
           <a:xfrm>
-            <a:off x="1513800" y="42708960"/>
-            <a:ext cx="27251280" cy="56880"/>
+            <a:off x="1513800" y="22983840"/>
+            <a:ext cx="27251280" cy="11842200"/>
           </a:xfrm>
           <a:prstGeom prst="rect">
             <a:avLst/>
@@ -194,8 +194,8 @@
         </p:nvSpPr>
         <p:spPr>
           <a:xfrm>
-            <a:off x="1513800" y="42310440"/>
-            <a:ext cx="27251280" cy="625320"/>
+            <a:off x="1513800" y="1707840"/>
+            <a:ext cx="27251280" cy="7147800"/>
           </a:xfrm>
           <a:prstGeom prst="rect">
             <a:avLst/>
@@ -231,8 +231,8 @@
         </p:nvSpPr>
         <p:spPr>
           <a:xfrm>
-            <a:off x="1513800" y="42646320"/>
-            <a:ext cx="13298400" cy="56880"/>
+            <a:off x="1513800" y="10016280"/>
+            <a:ext cx="13298400" cy="11842200"/>
           </a:xfrm>
           <a:prstGeom prst="rect">
             <a:avLst/>
@@ -267,8 +267,8 @@
         </p:nvSpPr>
         <p:spPr>
           <a:xfrm>
-            <a:off x="15477480" y="42646320"/>
-            <a:ext cx="13298400" cy="56880"/>
+            <a:off x="15477480" y="10016280"/>
+            <a:ext cx="13298400" cy="11842200"/>
           </a:xfrm>
           <a:prstGeom prst="rect">
             <a:avLst/>
@@ -303,8 +303,8 @@
         </p:nvSpPr>
         <p:spPr>
           <a:xfrm>
-            <a:off x="15477480" y="42708960"/>
-            <a:ext cx="13298400" cy="56880"/>
+            <a:off x="15477480" y="22983840"/>
+            <a:ext cx="13298400" cy="11842200"/>
           </a:xfrm>
           <a:prstGeom prst="rect">
             <a:avLst/>
@@ -339,8 +339,8 @@
         </p:nvSpPr>
         <p:spPr>
           <a:xfrm>
-            <a:off x="1513800" y="42708960"/>
-            <a:ext cx="13298400" cy="56880"/>
+            <a:off x="1513800" y="22983840"/>
+            <a:ext cx="13298400" cy="11842200"/>
           </a:xfrm>
           <a:prstGeom prst="rect">
             <a:avLst/>
@@ -397,8 +397,8 @@
         </p:nvSpPr>
         <p:spPr>
           <a:xfrm>
-            <a:off x="1513800" y="42310440"/>
-            <a:ext cx="27251280" cy="625320"/>
+            <a:off x="1513800" y="1707840"/>
+            <a:ext cx="27251280" cy="7147800"/>
           </a:xfrm>
           <a:prstGeom prst="rect">
             <a:avLst/>
@@ -434,8 +434,8 @@
         </p:nvSpPr>
         <p:spPr>
           <a:xfrm>
-            <a:off x="1513800" y="42646320"/>
-            <a:ext cx="27251280" cy="119880"/>
+            <a:off x="1513800" y="10016280"/>
+            <a:ext cx="27251280" cy="24826680"/>
           </a:xfrm>
           <a:prstGeom prst="rect">
             <a:avLst/>
@@ -470,8 +470,8 @@
         </p:nvSpPr>
         <p:spPr>
           <a:xfrm>
-            <a:off x="1513800" y="42646320"/>
-            <a:ext cx="27251280" cy="119880"/>
+            <a:off x="1513800" y="10016280"/>
+            <a:ext cx="27251280" cy="24826680"/>
           </a:xfrm>
           <a:prstGeom prst="rect">
             <a:avLst/>
@@ -506,8 +506,8 @@
         </p:blipFill>
         <p:spPr>
           <a:xfrm>
-            <a:off x="15064200" y="42645960"/>
-            <a:ext cx="150120" cy="119880"/>
+            <a:off x="1513800" y="11557800"/>
+            <a:ext cx="27251280" cy="21742920"/>
           </a:xfrm>
           <a:prstGeom prst="rect">
             <a:avLst/>
@@ -529,8 +529,8 @@
         </p:blipFill>
         <p:spPr>
           <a:xfrm>
-            <a:off x="15064200" y="42645960"/>
-            <a:ext cx="150120" cy="119880"/>
+            <a:off x="1513800" y="11557800"/>
+            <a:ext cx="27251280" cy="21742920"/>
           </a:xfrm>
           <a:prstGeom prst="rect">
             <a:avLst/>
@@ -574,8 +574,8 @@
         </p:nvSpPr>
         <p:spPr>
           <a:xfrm>
-            <a:off x="1513800" y="42310440"/>
-            <a:ext cx="27251280" cy="625320"/>
+            <a:off x="1513800" y="1707840"/>
+            <a:ext cx="27251280" cy="7147800"/>
           </a:xfrm>
           <a:prstGeom prst="rect">
             <a:avLst/>
@@ -611,8 +611,8 @@
         </p:nvSpPr>
         <p:spPr>
           <a:xfrm>
-            <a:off x="1513800" y="42478200"/>
-            <a:ext cx="27251280" cy="456120"/>
+            <a:off x="1513800" y="10016280"/>
+            <a:ext cx="27251280" cy="24826680"/>
           </a:xfrm>
           <a:prstGeom prst="rect">
             <a:avLst/>
@@ -670,8 +670,8 @@
         </p:nvSpPr>
         <p:spPr>
           <a:xfrm>
-            <a:off x="1513800" y="42310440"/>
-            <a:ext cx="27251280" cy="625320"/>
+            <a:off x="1513800" y="1707840"/>
+            <a:ext cx="27251280" cy="7147800"/>
           </a:xfrm>
           <a:prstGeom prst="rect">
             <a:avLst/>
@@ -707,8 +707,8 @@
         </p:nvSpPr>
         <p:spPr>
           <a:xfrm>
-            <a:off x="1513800" y="42646320"/>
-            <a:ext cx="27251280" cy="119880"/>
+            <a:off x="1513800" y="10016280"/>
+            <a:ext cx="27251280" cy="24826680"/>
           </a:xfrm>
           <a:prstGeom prst="rect">
             <a:avLst/>
@@ -765,8 +765,8 @@
         </p:nvSpPr>
         <p:spPr>
           <a:xfrm>
-            <a:off x="1513800" y="42310440"/>
-            <a:ext cx="27251280" cy="625320"/>
+            <a:off x="1513800" y="1707840"/>
+            <a:ext cx="27251280" cy="7147800"/>
           </a:xfrm>
           <a:prstGeom prst="rect">
             <a:avLst/>
@@ -802,8 +802,8 @@
         </p:nvSpPr>
         <p:spPr>
           <a:xfrm>
-            <a:off x="1513800" y="42646320"/>
-            <a:ext cx="13298400" cy="119880"/>
+            <a:off x="1513800" y="10016280"/>
+            <a:ext cx="13298400" cy="24826680"/>
           </a:xfrm>
           <a:prstGeom prst="rect">
             <a:avLst/>
@@ -838,8 +838,8 @@
         </p:nvSpPr>
         <p:spPr>
           <a:xfrm>
-            <a:off x="15477480" y="42646320"/>
-            <a:ext cx="13298400" cy="119880"/>
+            <a:off x="15477480" y="10016280"/>
+            <a:ext cx="13298400" cy="24826680"/>
           </a:xfrm>
           <a:prstGeom prst="rect">
             <a:avLst/>
@@ -896,8 +896,8 @@
         </p:nvSpPr>
         <p:spPr>
           <a:xfrm>
-            <a:off x="1513800" y="42310440"/>
-            <a:ext cx="27251280" cy="625320"/>
+            <a:off x="1513800" y="1707840"/>
+            <a:ext cx="27251280" cy="7147800"/>
           </a:xfrm>
           <a:prstGeom prst="rect">
             <a:avLst/>
@@ -955,8 +955,8 @@
         </p:nvSpPr>
         <p:spPr>
           <a:xfrm>
-            <a:off x="1513800" y="42458040"/>
-            <a:ext cx="27251280" cy="456120"/>
+            <a:off x="1513800" y="1707840"/>
+            <a:ext cx="27251280" cy="33134400"/>
           </a:xfrm>
           <a:prstGeom prst="rect">
             <a:avLst/>
@@ -1014,8 +1014,8 @@
         </p:nvSpPr>
         <p:spPr>
           <a:xfrm>
-            <a:off x="1513800" y="42310440"/>
-            <a:ext cx="27251280" cy="625320"/>
+            <a:off x="1513800" y="1707840"/>
+            <a:ext cx="27251280" cy="7147800"/>
           </a:xfrm>
           <a:prstGeom prst="rect">
             <a:avLst/>
@@ -1051,8 +1051,8 @@
         </p:nvSpPr>
         <p:spPr>
           <a:xfrm>
-            <a:off x="1513800" y="42646320"/>
-            <a:ext cx="13298400" cy="56880"/>
+            <a:off x="1513800" y="10016280"/>
+            <a:ext cx="13298400" cy="11842200"/>
           </a:xfrm>
           <a:prstGeom prst="rect">
             <a:avLst/>
@@ -1087,8 +1087,8 @@
         </p:nvSpPr>
         <p:spPr>
           <a:xfrm>
-            <a:off x="1513800" y="42708960"/>
-            <a:ext cx="13298400" cy="56880"/>
+            <a:off x="1513800" y="22983840"/>
+            <a:ext cx="13298400" cy="11842200"/>
           </a:xfrm>
           <a:prstGeom prst="rect">
             <a:avLst/>
@@ -1123,8 +1123,8 @@
         </p:nvSpPr>
         <p:spPr>
           <a:xfrm>
-            <a:off x="15477480" y="42646320"/>
-            <a:ext cx="13298400" cy="119880"/>
+            <a:off x="15477480" y="10016280"/>
+            <a:ext cx="13298400" cy="24826680"/>
           </a:xfrm>
           <a:prstGeom prst="rect">
             <a:avLst/>
@@ -1181,8 +1181,8 @@
         </p:nvSpPr>
         <p:spPr>
           <a:xfrm>
-            <a:off x="1513800" y="42310440"/>
-            <a:ext cx="27251280" cy="625320"/>
+            <a:off x="1513800" y="1707840"/>
+            <a:ext cx="27251280" cy="7147800"/>
           </a:xfrm>
           <a:prstGeom prst="rect">
             <a:avLst/>
@@ -1218,8 +1218,8 @@
         </p:nvSpPr>
         <p:spPr>
           <a:xfrm>
-            <a:off x="1513800" y="42646320"/>
-            <a:ext cx="13298400" cy="119880"/>
+            <a:off x="1513800" y="10016280"/>
+            <a:ext cx="13298400" cy="24826680"/>
           </a:xfrm>
           <a:prstGeom prst="rect">
             <a:avLst/>
@@ -1254,8 +1254,8 @@
         </p:nvSpPr>
         <p:spPr>
           <a:xfrm>
-            <a:off x="15477480" y="42646320"/>
-            <a:ext cx="13298400" cy="56880"/>
+            <a:off x="15477480" y="10016280"/>
+            <a:ext cx="13298400" cy="11842200"/>
           </a:xfrm>
           <a:prstGeom prst="rect">
             <a:avLst/>
@@ -1290,8 +1290,8 @@
         </p:nvSpPr>
         <p:spPr>
           <a:xfrm>
-            <a:off x="15477480" y="42708960"/>
-            <a:ext cx="13298400" cy="56880"/>
+            <a:off x="15477480" y="22983840"/>
+            <a:ext cx="13298400" cy="11842200"/>
           </a:xfrm>
           <a:prstGeom prst="rect">
             <a:avLst/>
@@ -1348,8 +1348,8 @@
         </p:nvSpPr>
         <p:spPr>
           <a:xfrm>
-            <a:off x="1513800" y="42310440"/>
-            <a:ext cx="27251280" cy="625320"/>
+            <a:off x="1513800" y="1707840"/>
+            <a:ext cx="27251280" cy="7147800"/>
           </a:xfrm>
           <a:prstGeom prst="rect">
             <a:avLst/>
@@ -1385,8 +1385,8 @@
         </p:nvSpPr>
         <p:spPr>
           <a:xfrm>
-            <a:off x="1513800" y="42646320"/>
-            <a:ext cx="13298400" cy="56880"/>
+            <a:off x="1513800" y="10016280"/>
+            <a:ext cx="13298400" cy="11842200"/>
           </a:xfrm>
           <a:prstGeom prst="rect">
             <a:avLst/>
@@ -1421,8 +1421,8 @@
         </p:nvSpPr>
         <p:spPr>
           <a:xfrm>
-            <a:off x="15477480" y="42646320"/>
-            <a:ext cx="13298400" cy="56880"/>
+            <a:off x="15477480" y="10016280"/>
+            <a:ext cx="13298400" cy="11842200"/>
           </a:xfrm>
           <a:prstGeom prst="rect">
             <a:avLst/>
@@ -1457,8 +1457,8 @@
         </p:nvSpPr>
         <p:spPr>
           <a:xfrm>
-            <a:off x="1513800" y="42708960"/>
-            <a:ext cx="27251280" cy="56880"/>
+            <a:off x="1513800" y="22983840"/>
+            <a:ext cx="27251280" cy="11842200"/>
           </a:xfrm>
           <a:prstGeom prst="rect">
             <a:avLst/>
@@ -1578,8 +1578,8 @@
         </p:nvSpPr>
         <p:spPr>
           <a:xfrm>
-            <a:off x="1513800" y="42606000"/>
-            <a:ext cx="27251280" cy="34200"/>
+            <a:off x="1513800" y="1707840"/>
+            <a:ext cx="27251280" cy="7147800"/>
           </a:xfrm>
           <a:prstGeom prst="rect">
             <a:avLst/>
@@ -1629,8 +1629,8 @@
         </p:nvSpPr>
         <p:spPr>
           <a:xfrm>
-            <a:off x="1513800" y="42646320"/>
-            <a:ext cx="27251280" cy="119880"/>
+            <a:off x="1513800" y="10016280"/>
+            <a:ext cx="27251280" cy="24826680"/>
           </a:xfrm>
           <a:prstGeom prst="rect">
             <a:avLst/>
@@ -1938,7 +1938,7 @@
         <p:spPr>
           <a:xfrm>
             <a:off x="6384240" y="6480"/>
-            <a:ext cx="21934080" cy="2191680"/>
+            <a:ext cx="21933720" cy="2191320"/>
           </a:xfrm>
           <a:prstGeom prst="rect">
             <a:avLst/>
@@ -2000,7 +2000,7 @@
         <p:spPr>
           <a:xfrm>
             <a:off x="5028480" y="2653560"/>
-            <a:ext cx="24833880" cy="1507320"/>
+            <a:ext cx="24833520" cy="1506960"/>
           </a:xfrm>
           <a:prstGeom prst="rect">
             <a:avLst/>
@@ -2090,7 +2090,7 @@
         <p:spPr>
           <a:xfrm>
             <a:off x="1026360" y="5924160"/>
-            <a:ext cx="12871800" cy="2007360"/>
+            <a:ext cx="12871440" cy="2007000"/>
           </a:xfrm>
           <a:prstGeom prst="rect">
             <a:avLst/>
@@ -2156,7 +2156,7 @@
         <p:spPr>
           <a:xfrm>
             <a:off x="19578600" y="39930480"/>
-            <a:ext cx="8555760" cy="2099160"/>
+            <a:ext cx="8555400" cy="2098800"/>
           </a:xfrm>
           <a:prstGeom prst="rect">
             <a:avLst/>
@@ -2206,7 +2206,7 @@
         <p:spPr>
           <a:xfrm>
             <a:off x="1026360" y="7200360"/>
-            <a:ext cx="11274120" cy="696960"/>
+            <a:ext cx="11273760" cy="696600"/>
           </a:xfrm>
           <a:prstGeom prst="rect">
             <a:avLst/>
@@ -2232,7 +2232,7 @@
         <p:spPr>
           <a:xfrm>
             <a:off x="4509360" y="40060440"/>
-            <a:ext cx="10411560" cy="1717200"/>
+            <a:ext cx="10411200" cy="1716840"/>
           </a:xfrm>
           <a:prstGeom prst="rect">
             <a:avLst/>
@@ -2327,7 +2327,7 @@
         <p:spPr>
           <a:xfrm>
             <a:off x="1098360" y="39512520"/>
-            <a:ext cx="3721320" cy="2304360"/>
+            <a:ext cx="3720960" cy="2304000"/>
           </a:xfrm>
           <a:prstGeom prst="rect">
             <a:avLst/>
@@ -2419,7 +2419,7 @@
         <p:spPr>
           <a:xfrm>
             <a:off x="14356080" y="7178760"/>
-            <a:ext cx="11274120" cy="696960"/>
+            <a:ext cx="11273760" cy="696600"/>
           </a:xfrm>
           <a:prstGeom prst="rect">
             <a:avLst/>
@@ -2445,7 +2445,7 @@
         <p:spPr>
           <a:xfrm>
             <a:off x="14356080" y="7178760"/>
-            <a:ext cx="11274120" cy="696960"/>
+            <a:ext cx="11273760" cy="696600"/>
           </a:xfrm>
           <a:prstGeom prst="rect">
             <a:avLst/>
@@ -2470,8 +2470,8 @@
         </p:nvSpPr>
         <p:spPr>
           <a:xfrm>
-            <a:off x="914400" y="23745240"/>
-            <a:ext cx="14849640" cy="1550160"/>
+            <a:off x="914400" y="23169240"/>
+            <a:ext cx="14849280" cy="1549800"/>
           </a:xfrm>
           <a:prstGeom prst="rect">
             <a:avLst/>
@@ -2532,8 +2532,8 @@
         </p:nvSpPr>
         <p:spPr>
           <a:xfrm>
-            <a:off x="916200" y="20382840"/>
-            <a:ext cx="13987800" cy="3541680"/>
+            <a:off x="15087600" y="12369240"/>
+            <a:ext cx="13987440" cy="2626920"/>
           </a:xfrm>
           <a:prstGeom prst="rect">
             <a:avLst/>
@@ -2552,16 +2552,15 @@
         <p:txBody>
           <a:bodyPr lIns="90000" rIns="90000" tIns="45000" bIns="45000"/>
           <a:p>
-            <a:pPr marL="320040" indent="-319320">
+            <a:pPr marL="548640" indent="-548640">
               <a:lnSpc>
                 <a:spcPct val="100000"/>
               </a:lnSpc>
               <a:buClr>
                 <a:srgbClr val="000000"/>
               </a:buClr>
-              <a:buSzPct val="45000"/>
               <a:buFont typeface="Wingdings" charset="2"/>
-              <a:buChar char=""/>
+              <a:buChar char=""/>
             </a:pPr>
             <a:r>
               <a:rPr b="1" lang="en-US" sz="4000" spc="-1" strike="noStrike">
@@ -2576,7 +2575,7 @@
                 <a:latin typeface="Calibri"/>
                 <a:ea typeface="DejaVu Sans"/>
               </a:rPr>
-              <a:t>We found few relevant works managing similar problems. </a:t>
+              <a:t>Web Service to access the features of Apache Jena and other Java libraries.</a:t>
             </a:r>
             <a:endParaRPr b="0" lang="en-US" sz="1800" spc="-1" strike="noStrike">
               <a:solidFill>
@@ -2591,16 +2590,15 @@
             </a:endParaRPr>
           </a:p>
           <a:p>
-            <a:pPr marL="320040" indent="-319320">
+            <a:pPr marL="548640" indent="-548640">
               <a:lnSpc>
                 <a:spcPct val="100000"/>
               </a:lnSpc>
               <a:buClr>
                 <a:srgbClr val="000000"/>
               </a:buClr>
-              <a:buSzPct val="45000"/>
               <a:buFont typeface="Wingdings" charset="2"/>
-              <a:buChar char=""/>
+              <a:buChar char=""/>
             </a:pPr>
             <a:r>
               <a:rPr b="1" lang="en-US" sz="4000" spc="-1" strike="noStrike">
@@ -2615,85 +2613,7 @@
                 <a:latin typeface="Calibri"/>
                 <a:ea typeface="DejaVu Sans"/>
               </a:rPr>
-              <a:t>Understand some details from OPC UA documentation.</a:t>
-            </a:r>
-            <a:endParaRPr b="0" lang="en-US" sz="1800" spc="-1" strike="noStrike">
-              <a:solidFill>
-                <a:srgbClr val="000000"/>
-              </a:solidFill>
-              <a:uFill>
-                <a:solidFill>
-                  <a:srgbClr val="ffffff"/>
-                </a:solidFill>
-              </a:uFill>
-              <a:latin typeface="Arial"/>
-            </a:endParaRPr>
-          </a:p>
-          <a:p>
-            <a:pPr marL="320040" indent="-319320">
-              <a:lnSpc>
-                <a:spcPct val="100000"/>
-              </a:lnSpc>
-              <a:buClr>
-                <a:srgbClr val="000000"/>
-              </a:buClr>
-              <a:buSzPct val="45000"/>
-              <a:buFont typeface="Wingdings" charset="2"/>
-              <a:buChar char=""/>
-            </a:pPr>
-            <a:r>
-              <a:rPr b="1" lang="en-US" sz="4000" spc="-1" strike="noStrike">
-                <a:solidFill>
-                  <a:srgbClr val="000000"/>
-                </a:solidFill>
-                <a:uFill>
-                  <a:solidFill>
-                    <a:srgbClr val="ffffff"/>
-                  </a:solidFill>
-                </a:uFill>
-                <a:latin typeface="Calibri"/>
-                <a:ea typeface="DejaVu Sans"/>
-              </a:rPr>
-              <a:t>The access to the original files was restricted and private. We had few (but enough) material to work with.</a:t>
-            </a:r>
-            <a:endParaRPr b="0" lang="en-US" sz="1800" spc="-1" strike="noStrike">
-              <a:solidFill>
-                <a:srgbClr val="000000"/>
-              </a:solidFill>
-              <a:uFill>
-                <a:solidFill>
-                  <a:srgbClr val="ffffff"/>
-                </a:solidFill>
-              </a:uFill>
-              <a:latin typeface="Arial"/>
-            </a:endParaRPr>
-          </a:p>
-          <a:p>
-            <a:pPr marL="320040" indent="-319320">
-              <a:lnSpc>
-                <a:spcPct val="100000"/>
-              </a:lnSpc>
-              <a:buClr>
-                <a:srgbClr val="000000"/>
-              </a:buClr>
-              <a:buSzPct val="45000"/>
-              <a:buFont typeface="Wingdings" charset="2"/>
-              <a:buChar char=""/>
-            </a:pPr>
-            <a:r>
-              <a:rPr b="1" lang="en-US" sz="4000" spc="-1" strike="noStrike">
-                <a:solidFill>
-                  <a:srgbClr val="000000"/>
-                </a:solidFill>
-                <a:uFill>
-                  <a:solidFill>
-                    <a:srgbClr val="ffffff"/>
-                  </a:solidFill>
-                </a:uFill>
-                <a:latin typeface="Calibri"/>
-                <a:ea typeface="DejaVu Sans"/>
-              </a:rPr>
-              <a:t>Plug different technologies in the front-end and back-end.</a:t>
+              <a:t>A Web application developed in Node.js to interact with the web service above.</a:t>
             </a:r>
             <a:endParaRPr b="0" lang="en-US" sz="1800" spc="-1" strike="noStrike">
               <a:solidFill>
@@ -2718,7 +2638,7 @@
         <p:spPr>
           <a:xfrm>
             <a:off x="10425240" y="4070880"/>
-            <a:ext cx="13896360" cy="912960"/>
+            <a:ext cx="13896000" cy="912600"/>
           </a:xfrm>
           <a:prstGeom prst="rect">
             <a:avLst/>
@@ -2784,7 +2704,7 @@
         <p:spPr>
           <a:xfrm>
             <a:off x="1747800" y="1576080"/>
-            <a:ext cx="2804040" cy="2514960"/>
+            <a:ext cx="2803680" cy="2514600"/>
           </a:xfrm>
           <a:prstGeom prst="rect">
             <a:avLst/>
@@ -2806,8 +2726,8 @@
         </p:blipFill>
         <p:spPr>
           <a:xfrm>
-            <a:off x="1535040" y="15153120"/>
-            <a:ext cx="5206320" cy="2925360"/>
+            <a:off x="1535040" y="14253120"/>
+            <a:ext cx="5205960" cy="2925000"/>
           </a:xfrm>
           <a:prstGeom prst="rect">
             <a:avLst/>
@@ -2829,8 +2749,8 @@
         </p:blipFill>
         <p:spPr>
           <a:xfrm>
-            <a:off x="5841000" y="13313520"/>
-            <a:ext cx="8350200" cy="4912560"/>
+            <a:off x="5841000" y="12845520"/>
+            <a:ext cx="8349840" cy="4912200"/>
           </a:xfrm>
           <a:prstGeom prst="rect">
             <a:avLst/>
@@ -2848,8 +2768,8 @@
         </p:nvSpPr>
         <p:spPr>
           <a:xfrm flipH="1">
-            <a:off x="845640" y="7399800"/>
-            <a:ext cx="13075200" cy="5296320"/>
+            <a:off x="842760" y="7327800"/>
+            <a:ext cx="13074840" cy="5124600"/>
           </a:xfrm>
           <a:prstGeom prst="foldedCorner">
             <a:avLst>
@@ -2857,27 +2777,21 @@
             </a:avLst>
           </a:prstGeom>
           <a:solidFill>
-            <a:schemeClr val="accent6">
-              <a:lumMod val="75000"/>
+            <a:srgbClr val="e46c0a">
               <a:alpha val="54000"/>
-            </a:schemeClr>
+            </a:srgbClr>
           </a:solidFill>
-          <a:ln>
+          <a:ln w="25560">
+            <a:solidFill>
+              <a:srgbClr val="3a5f8b"/>
+            </a:solidFill>
             <a:round/>
           </a:ln>
         </p:spPr>
         <p:style>
-          <a:lnRef idx="2">
-            <a:schemeClr val="accent1">
-              <a:shade val="50000"/>
-            </a:schemeClr>
-          </a:lnRef>
-          <a:fillRef idx="1">
-            <a:schemeClr val="accent1"/>
-          </a:fillRef>
-          <a:effectRef idx="0">
-            <a:schemeClr val="accent1"/>
-          </a:effectRef>
+          <a:lnRef idx="0"/>
+          <a:fillRef idx="0"/>
+          <a:effectRef idx="0"/>
           <a:fontRef idx="minor"/>
         </p:style>
         <p:txBody>
@@ -2919,7 +2833,7 @@
             </a:endParaRPr>
           </a:p>
           <a:p>
-            <a:pPr marL="571680" indent="-570600" algn="just">
+            <a:pPr marL="571680" indent="-570240" algn="just">
               <a:lnSpc>
                 <a:spcPct val="100000"/>
               </a:lnSpc>
@@ -2942,7 +2856,7 @@
                 <a:latin typeface="Calibri"/>
                 <a:ea typeface="DejaVu Sans"/>
               </a:rPr>
-              <a:t>OPC UA is playing a key role the Industry 4.0 (i4.0), the so called fourth industrial revolution whose purpose is to make reality the vision of smart factories</a:t>
+              <a:t>OPC UA is playing a key role the Industry 4.0 (i4.0), the so called fourth industrial revolution whose purpose is to make reality the vision of smart factories.</a:t>
             </a:r>
             <a:endParaRPr b="0" lang="en-US" sz="1800" spc="-1" strike="noStrike">
               <a:solidFill>
@@ -2957,7 +2871,7 @@
             </a:endParaRPr>
           </a:p>
           <a:p>
-            <a:pPr marL="571680" indent="-570600" algn="just">
+            <a:pPr marL="571680" indent="-570240" algn="just">
               <a:lnSpc>
                 <a:spcPct val="100000"/>
               </a:lnSpc>
@@ -2980,7 +2894,7 @@
                 <a:latin typeface="Calibri"/>
                 <a:ea typeface="DejaVu Sans"/>
               </a:rPr>
-              <a:t>It is the leading standard for interoperability and data exchange</a:t>
+              <a:t>It is the leading standard for interoperability and data exchange.</a:t>
             </a:r>
             <a:endParaRPr b="0" lang="en-US" sz="1800" spc="-1" strike="noStrike">
               <a:solidFill>
@@ -2995,7 +2909,7 @@
             </a:endParaRPr>
           </a:p>
           <a:p>
-            <a:pPr marL="571680" indent="-570600" algn="just">
+            <a:pPr marL="571680" indent="-570240" algn="just">
               <a:lnSpc>
                 <a:spcPct val="100000"/>
               </a:lnSpc>
@@ -3018,7 +2932,7 @@
                 <a:latin typeface="Calibri"/>
                 <a:ea typeface="DejaVu Sans"/>
               </a:rPr>
-              <a:t>Even more, OPC UA is becoming popular in other markets like the Internet of Things (IoT)</a:t>
+              <a:t>Even more, OPC UA is becoming popular in other markets like the Internet of Things (IoT).</a:t>
             </a:r>
             <a:endParaRPr b="0" lang="en-US" sz="1800" spc="-1" strike="noStrike">
               <a:solidFill>
@@ -3042,8 +2956,8 @@
         </p:nvSpPr>
         <p:spPr>
           <a:xfrm flipH="1">
-            <a:off x="15158880" y="7409880"/>
-            <a:ext cx="14125680" cy="5286240"/>
+            <a:off x="15156000" y="7301880"/>
+            <a:ext cx="14125320" cy="3560040"/>
           </a:xfrm>
           <a:prstGeom prst="foldedCorner">
             <a:avLst>
@@ -3055,7 +2969,7 @@
               <a:alpha val="54000"/>
             </a:srgbClr>
           </a:solidFill>
-          <a:ln>
+          <a:ln w="25560">
             <a:solidFill>
               <a:srgbClr val="0066cc"/>
             </a:solidFill>
@@ -3063,17 +2977,9 @@
           </a:ln>
         </p:spPr>
         <p:style>
-          <a:lnRef idx="2">
-            <a:schemeClr val="accent1">
-              <a:shade val="50000"/>
-            </a:schemeClr>
-          </a:lnRef>
-          <a:fillRef idx="1">
-            <a:schemeClr val="accent1"/>
-          </a:fillRef>
-          <a:effectRef idx="0">
-            <a:schemeClr val="accent1"/>
-          </a:effectRef>
+          <a:lnRef idx="0"/>
+          <a:fillRef idx="0"/>
+          <a:effectRef idx="0"/>
           <a:fontRef idx="minor"/>
         </p:style>
         <p:txBody>
@@ -3097,7 +3003,7 @@
             </a:endParaRPr>
           </a:p>
           <a:p>
-            <a:pPr marL="571680" indent="-570600" algn="just">
+            <a:pPr marL="571680" indent="-570240" algn="just">
               <a:lnSpc>
                 <a:spcPct val="100000"/>
               </a:lnSpc>
@@ -3120,7 +3026,7 @@
                 <a:latin typeface="Calibri"/>
                 <a:ea typeface="DejaVu Sans"/>
               </a:rPr>
-              <a:t>We build a web tool to transform the schema and instance XML files from OPC UA into semantic ontologies.</a:t>
+              <a:t>A web tool to transform the schema and instance XML files from OPC UA into semantic ontologies.</a:t>
             </a:r>
             <a:endParaRPr b="0" lang="en-US" sz="1800" spc="-1" strike="noStrike">
               <a:solidFill>
@@ -3135,7 +3041,7 @@
             </a:endParaRPr>
           </a:p>
           <a:p>
-            <a:pPr marL="571680" indent="-570600" algn="just">
+            <a:pPr marL="571680" indent="-570240" algn="just">
               <a:lnSpc>
                 <a:spcPct val="100000"/>
               </a:lnSpc>
@@ -3158,83 +3064,7 @@
                 <a:latin typeface="Calibri"/>
                 <a:ea typeface="DejaVu Sans"/>
               </a:rPr>
-              <a:t>The architecture of our solution was implemented in two parts:</a:t>
-            </a:r>
-            <a:endParaRPr b="0" lang="en-US" sz="1800" spc="-1" strike="noStrike">
-              <a:solidFill>
-                <a:srgbClr val="000000"/>
-              </a:solidFill>
-              <a:uFill>
-                <a:solidFill>
-                  <a:srgbClr val="ffffff"/>
-                </a:solidFill>
-              </a:uFill>
-              <a:latin typeface="Arial"/>
-            </a:endParaRPr>
-          </a:p>
-          <a:p>
-            <a:pPr marL="731520" indent="-730800" algn="just">
-              <a:lnSpc>
-                <a:spcPct val="100000"/>
-              </a:lnSpc>
-              <a:buClr>
-                <a:srgbClr val="000000"/>
-              </a:buClr>
-              <a:buFont typeface="Liberation Serif"/>
-              <a:buAutoNum type="alphaLcParenR"/>
-            </a:pPr>
-            <a:r>
-              <a:rPr b="1" lang="en-US" sz="4000" spc="-1" strike="noStrike">
-                <a:solidFill>
-                  <a:srgbClr val="000000"/>
-                </a:solidFill>
-                <a:uFill>
-                  <a:solidFill>
-                    <a:srgbClr val="ffffff"/>
-                  </a:solidFill>
-                </a:uFill>
-                <a:latin typeface="Calibri"/>
-                <a:ea typeface="DejaVu Sans"/>
-              </a:rPr>
-              <a:t>Web Service to access the features of Apache Jena and other Java libraries.</a:t>
-            </a:r>
-            <a:endParaRPr b="0" lang="en-US" sz="1800" spc="-1" strike="noStrike">
-              <a:solidFill>
-                <a:srgbClr val="000000"/>
-              </a:solidFill>
-              <a:uFill>
-                <a:solidFill>
-                  <a:srgbClr val="ffffff"/>
-                </a:solidFill>
-              </a:uFill>
-              <a:latin typeface="Arial"/>
-            </a:endParaRPr>
-          </a:p>
-          <a:p>
-            <a:pPr marL="731520" indent="-730800" algn="just">
-              <a:lnSpc>
-                <a:spcPct val="100000"/>
-              </a:lnSpc>
-              <a:buClr>
-                <a:srgbClr val="000000"/>
-              </a:buClr>
-              <a:buFont typeface="Liberation Serif"/>
-              <a:buAutoNum type="alphaLcParenR"/>
-            </a:pPr>
-            <a:r>
-              <a:rPr b="1" lang="en-US" sz="4000" spc="-1" strike="noStrike">
-                <a:solidFill>
-                  <a:srgbClr val="000000"/>
-                </a:solidFill>
-                <a:uFill>
-                  <a:solidFill>
-                    <a:srgbClr val="ffffff"/>
-                  </a:solidFill>
-                </a:uFill>
-                <a:latin typeface="Calibri"/>
-                <a:ea typeface="DejaVu Sans"/>
-              </a:rPr>
-              <a:t>A Web application developed in Node.js to interact with the web service above.</a:t>
+              <a:t>This translation matters because adds the ability to express not only data but also the meaning of this data. It is a key piece in the quest to make a system more intelligent.</a:t>
             </a:r>
             <a:endParaRPr b="0" lang="en-US" sz="1800" spc="-1" strike="noStrike">
               <a:solidFill>
@@ -3258,8 +3088,8 @@
         </p:nvSpPr>
         <p:spPr>
           <a:xfrm>
-            <a:off x="15138360" y="5924160"/>
-            <a:ext cx="14121720" cy="2007360"/>
+            <a:off x="15138360" y="6008040"/>
+            <a:ext cx="14121360" cy="1905120"/>
           </a:xfrm>
           <a:prstGeom prst="rect">
             <a:avLst/>
@@ -3296,7 +3126,7 @@
                 <a:latin typeface="Calibri"/>
                 <a:ea typeface="DejaVu Sans"/>
               </a:rPr>
-              <a:t>What we did</a:t>
+              <a:t>What we did...</a:t>
             </a:r>
             <a:endParaRPr b="0" lang="en-US" sz="1800" spc="-1" strike="noStrike">
               <a:solidFill>
@@ -3320,8 +3150,8 @@
         </p:nvSpPr>
         <p:spPr>
           <a:xfrm>
-            <a:off x="914400" y="18826200"/>
-            <a:ext cx="14849640" cy="2007360"/>
+            <a:off x="842400" y="17890200"/>
+            <a:ext cx="14849280" cy="2007000"/>
           </a:xfrm>
           <a:prstGeom prst="rect">
             <a:avLst/>
@@ -3386,8 +3216,8 @@
         </p:blipFill>
         <p:spPr>
           <a:xfrm>
-            <a:off x="17965440" y="14924880"/>
-            <a:ext cx="8801280" cy="5813640"/>
+            <a:off x="17965440" y="15212880"/>
+            <a:ext cx="8800920" cy="5813280"/>
           </a:xfrm>
           <a:prstGeom prst="rect">
             <a:avLst/>
@@ -3409,8 +3239,8 @@
         </p:blipFill>
         <p:spPr>
           <a:xfrm>
-            <a:off x="27016560" y="16626600"/>
-            <a:ext cx="2122920" cy="1083600"/>
+            <a:off x="26980560" y="17274600"/>
+            <a:ext cx="2122560" cy="1083240"/>
           </a:xfrm>
           <a:prstGeom prst="rect">
             <a:avLst/>
@@ -3432,8 +3262,8 @@
         </p:blipFill>
         <p:spPr>
           <a:xfrm>
-            <a:off x="27163440" y="18141480"/>
-            <a:ext cx="1852920" cy="1419840"/>
+            <a:off x="27127440" y="18789480"/>
+            <a:ext cx="1852560" cy="1419480"/>
           </a:xfrm>
           <a:prstGeom prst="rect">
             <a:avLst/>
@@ -3455,8 +3285,8 @@
         </p:blipFill>
         <p:spPr>
           <a:xfrm>
-            <a:off x="26978040" y="14799960"/>
-            <a:ext cx="2282040" cy="1279440"/>
+            <a:off x="26942040" y="15447960"/>
+            <a:ext cx="2281680" cy="1279080"/>
           </a:xfrm>
           <a:prstGeom prst="rect">
             <a:avLst/>
@@ -3478,8 +3308,8 @@
         </p:blipFill>
         <p:spPr>
           <a:xfrm>
-            <a:off x="26838000" y="19357920"/>
-            <a:ext cx="2339280" cy="1753560"/>
+            <a:off x="26802000" y="20005920"/>
+            <a:ext cx="2338920" cy="1753200"/>
           </a:xfrm>
           <a:prstGeom prst="rect">
             <a:avLst/>
@@ -3502,7 +3332,7 @@
         <p:spPr>
           <a:xfrm>
             <a:off x="15436800" y="19538280"/>
-            <a:ext cx="2924280" cy="1521360"/>
+            <a:ext cx="2923920" cy="1521000"/>
           </a:xfrm>
           <a:prstGeom prst="rect">
             <a:avLst/>
@@ -3524,8 +3354,8 @@
         </p:blipFill>
         <p:spPr>
           <a:xfrm>
-            <a:off x="15583680" y="18011160"/>
-            <a:ext cx="1188000" cy="1108080"/>
+            <a:off x="15583680" y="18119160"/>
+            <a:ext cx="1187640" cy="1107720"/>
           </a:xfrm>
           <a:prstGeom prst="rect">
             <a:avLst/>
@@ -3547,8 +3377,8 @@
         </p:blipFill>
         <p:spPr>
           <a:xfrm>
-            <a:off x="15377400" y="16615080"/>
-            <a:ext cx="2073240" cy="988560"/>
+            <a:off x="15377400" y="16759080"/>
+            <a:ext cx="2072880" cy="988200"/>
           </a:xfrm>
           <a:prstGeom prst="rect">
             <a:avLst/>
@@ -3570,8 +3400,8 @@
         </p:blipFill>
         <p:spPr>
           <a:xfrm>
-            <a:off x="15462360" y="15096600"/>
-            <a:ext cx="2151720" cy="1074600"/>
+            <a:off x="15462360" y="15384600"/>
+            <a:ext cx="2151360" cy="1074240"/>
           </a:xfrm>
           <a:prstGeom prst="rect">
             <a:avLst/>
@@ -3589,8 +3419,8 @@
         </p:nvSpPr>
         <p:spPr>
           <a:xfrm>
-            <a:off x="15087600" y="13177080"/>
-            <a:ext cx="14172480" cy="2007360"/>
+            <a:off x="15087600" y="10945080"/>
+            <a:ext cx="14172120" cy="1413000"/>
           </a:xfrm>
           <a:prstGeom prst="rect">
             <a:avLst/>
@@ -3656,7 +3486,7 @@
         <p:spPr>
           <a:xfrm>
             <a:off x="17547840" y="21688200"/>
-            <a:ext cx="10332000" cy="5394240"/>
+            <a:ext cx="10331640" cy="5393880"/>
           </a:xfrm>
           <a:prstGeom prst="rect">
             <a:avLst/>
@@ -3679,7 +3509,7 @@
         <p:spPr>
           <a:xfrm>
             <a:off x="17550720" y="27460800"/>
-            <a:ext cx="10423440" cy="5394240"/>
+            <a:ext cx="10423080" cy="5393880"/>
           </a:xfrm>
           <a:prstGeom prst="rect">
             <a:avLst/>
@@ -3702,7 +3532,7 @@
         <p:spPr>
           <a:xfrm>
             <a:off x="17495280" y="33303240"/>
-            <a:ext cx="10514880" cy="5394240"/>
+            <a:ext cx="10514520" cy="5393880"/>
           </a:xfrm>
           <a:prstGeom prst="rect">
             <a:avLst/>
@@ -3721,7 +3551,7 @@
         <p:spPr>
           <a:xfrm>
             <a:off x="27223920" y="26282520"/>
-            <a:ext cx="1958400" cy="1967040"/>
+            <a:ext cx="1958040" cy="1966680"/>
           </a:xfrm>
           <a:custGeom>
             <a:avLst/>
@@ -4322,7 +4152,7 @@
         <p:spPr>
           <a:xfrm>
             <a:off x="27224280" y="32125680"/>
-            <a:ext cx="1958400" cy="1967040"/>
+            <a:ext cx="1958040" cy="1966680"/>
           </a:xfrm>
           <a:custGeom>
             <a:avLst/>
@@ -4922,8 +4752,8 @@
         </p:nvSpPr>
         <p:spPr>
           <a:xfrm>
-            <a:off x="-548640" y="31626720"/>
-            <a:ext cx="14538240" cy="1826280"/>
+            <a:off x="-1124640" y="31122720"/>
+            <a:ext cx="14537880" cy="3215520"/>
           </a:xfrm>
           <a:prstGeom prst="rect">
             <a:avLst/>
@@ -5038,7 +4868,7 @@
                 <a:latin typeface="Calibri"/>
                 <a:ea typeface="DejaVu Sans"/>
               </a:rPr>
-              <a:t>Apache Tomcat 7.0, Node.js, Java 8, Docker.</a:t>
+              <a:t>Apache Tomcat 7.0, Java 8.0, Node.js.</a:t>
             </a:r>
             <a:endParaRPr b="0" lang="en-US" sz="1800" spc="-1" strike="noStrike">
               <a:solidFill>
@@ -5086,7 +4916,7 @@
                 <a:latin typeface="Calibri"/>
                 <a:ea typeface="DejaVu Sans"/>
               </a:rPr>
-              <a:t>2GB </a:t>
+              <a:t>2GB</a:t>
             </a:r>
             <a:endParaRPr b="0" lang="en-US" sz="1800" spc="-1" strike="noStrike">
               <a:solidFill>
@@ -5107,7 +4937,7 @@
               </a:lnSpc>
             </a:pPr>
             <a:r>
-              <a:rPr b="0" lang="en-US" sz="3600" spc="-1" strike="noStrike">
+              <a:rPr b="1" lang="en-US" sz="3600" spc="-1" strike="noStrike">
                 <a:solidFill>
                   <a:srgbClr val="000000"/>
                 </a:solidFill>
@@ -5119,7 +4949,22 @@
                 <a:latin typeface="Calibri"/>
                 <a:ea typeface="DejaVu Sans"/>
               </a:rPr>
-              <a:t> </a:t>
+              <a:t>How to access to the app? </a:t>
+            </a:r>
+            <a:r>
+              <a:rPr b="0" lang="en-US" sz="3600" spc="-1" strike="noStrike">
+                <a:solidFill>
+                  <a:srgbClr val="ff6600"/>
+                </a:solidFill>
+                <a:uFill>
+                  <a:solidFill>
+                    <a:srgbClr val="ffffff"/>
+                  </a:solidFill>
+                </a:uFill>
+                <a:latin typeface="Calibri"/>
+                <a:ea typeface="DejaVu Sans"/>
+              </a:rPr>
+              <a:t>Open the browser and go the address: http://localhost:3000</a:t>
             </a:r>
             <a:endParaRPr b="0" lang="en-US" sz="1800" spc="-1" strike="noStrike">
               <a:solidFill>
@@ -5157,6 +5002,57 @@
                 <a:spcPct val="100000"/>
               </a:lnSpc>
             </a:pPr>
+            <a:r>
+              <a:rPr b="0" lang="en-US" sz="3600" spc="-1" strike="noStrike">
+                <a:solidFill>
+                  <a:srgbClr val="000000"/>
+                </a:solidFill>
+                <a:uFill>
+                  <a:solidFill>
+                    <a:srgbClr val="ffffff"/>
+                  </a:solidFill>
+                </a:uFill>
+                <a:latin typeface="Calibri"/>
+                <a:ea typeface="DejaVu Sans"/>
+              </a:rPr>
+              <a:t> </a:t>
+            </a:r>
+            <a:endParaRPr b="0" lang="en-US" sz="1800" spc="-1" strike="noStrike">
+              <a:solidFill>
+                <a:srgbClr val="000000"/>
+              </a:solidFill>
+              <a:uFill>
+                <a:solidFill>
+                  <a:srgbClr val="ffffff"/>
+                </a:solidFill>
+              </a:uFill>
+              <a:latin typeface="Arial"/>
+            </a:endParaRPr>
+          </a:p>
+          <a:p>
+            <a:pPr marL="2160000">
+              <a:lnSpc>
+                <a:spcPct val="100000"/>
+              </a:lnSpc>
+            </a:pPr>
+            <a:endParaRPr b="0" lang="en-US" sz="1800" spc="-1" strike="noStrike">
+              <a:solidFill>
+                <a:srgbClr val="000000"/>
+              </a:solidFill>
+              <a:uFill>
+                <a:solidFill>
+                  <a:srgbClr val="ffffff"/>
+                </a:solidFill>
+              </a:uFill>
+              <a:latin typeface="Arial"/>
+            </a:endParaRPr>
+          </a:p>
+          <a:p>
+            <a:pPr marL="2160000">
+              <a:lnSpc>
+                <a:spcPct val="100000"/>
+              </a:lnSpc>
+            </a:pPr>
             <a:endParaRPr b="0" lang="en-US" sz="1800" spc="-1" strike="noStrike">
               <a:solidFill>
                 <a:srgbClr val="000000"/>
@@ -5179,8 +5075,8 @@
         </p:nvSpPr>
         <p:spPr>
           <a:xfrm flipH="1">
-            <a:off x="8816400" y="33798960"/>
-            <a:ext cx="5398920" cy="1798920"/>
+            <a:off x="8204400" y="34374960"/>
+            <a:ext cx="5398560" cy="1798560"/>
           </a:xfrm>
           <a:prstGeom prst="foldedCorner">
             <a:avLst>
@@ -5190,22 +5086,17 @@
           <a:solidFill>
             <a:srgbClr val="0070c0"/>
           </a:solidFill>
-          <a:ln>
+          <a:ln w="25560">
+            <a:solidFill>
+              <a:srgbClr val="3a5f8b"/>
+            </a:solidFill>
             <a:round/>
           </a:ln>
         </p:spPr>
         <p:style>
-          <a:lnRef idx="2">
-            <a:schemeClr val="accent1">
-              <a:shade val="50000"/>
-            </a:schemeClr>
-          </a:lnRef>
-          <a:fillRef idx="1">
-            <a:schemeClr val="accent1"/>
-          </a:fillRef>
-          <a:effectRef idx="0">
-            <a:schemeClr val="accent1"/>
-          </a:effectRef>
+          <a:lnRef idx="0"/>
+          <a:fillRef idx="0"/>
+          <a:effectRef idx="0"/>
           <a:fontRef idx="minor"/>
         </p:style>
       </p:sp>
@@ -5217,8 +5108,8 @@
         </p:nvSpPr>
         <p:spPr>
           <a:xfrm>
-            <a:off x="9093240" y="33833880"/>
-            <a:ext cx="5204160" cy="1688760"/>
+            <a:off x="8481240" y="34409880"/>
+            <a:ext cx="5203800" cy="1688400"/>
           </a:xfrm>
           <a:prstGeom prst="rect">
             <a:avLst/>
@@ -5372,8 +5263,8 @@
         </p:nvSpPr>
         <p:spPr>
           <a:xfrm flipH="1">
-            <a:off x="3308400" y="33762240"/>
-            <a:ext cx="5326920" cy="1798920"/>
+            <a:off x="2696400" y="34338240"/>
+            <a:ext cx="5326560" cy="1798560"/>
           </a:xfrm>
           <a:prstGeom prst="foldedCorner">
             <a:avLst>
@@ -5381,26 +5272,19 @@
             </a:avLst>
           </a:prstGeom>
           <a:solidFill>
-            <a:schemeClr val="accent5">
-              <a:lumMod val="50000"/>
-            </a:schemeClr>
+            <a:srgbClr val="215968"/>
           </a:solidFill>
-          <a:ln>
+          <a:ln w="25560">
+            <a:solidFill>
+              <a:srgbClr val="3a5f8b"/>
+            </a:solidFill>
             <a:round/>
           </a:ln>
         </p:spPr>
         <p:style>
-          <a:lnRef idx="2">
-            <a:schemeClr val="accent1">
-              <a:shade val="50000"/>
-            </a:schemeClr>
-          </a:lnRef>
-          <a:fillRef idx="1">
-            <a:schemeClr val="accent1"/>
-          </a:fillRef>
-          <a:effectRef idx="0">
-            <a:schemeClr val="accent1"/>
-          </a:effectRef>
+          <a:lnRef idx="0"/>
+          <a:fillRef idx="0"/>
+          <a:effectRef idx="0"/>
           <a:fontRef idx="minor"/>
         </p:style>
         <p:txBody>
@@ -5563,8 +5447,8 @@
         </p:blipFill>
         <p:spPr>
           <a:xfrm>
-            <a:off x="8982720" y="34194600"/>
-            <a:ext cx="691560" cy="682920"/>
+            <a:off x="8370720" y="34770600"/>
+            <a:ext cx="691200" cy="682560"/>
           </a:xfrm>
           <a:prstGeom prst="rect">
             <a:avLst/>
@@ -5586,8 +5470,8 @@
         </p:blipFill>
         <p:spPr>
           <a:xfrm>
-            <a:off x="1604160" y="33845040"/>
-            <a:ext cx="1590480" cy="1674360"/>
+            <a:off x="992160" y="34421040"/>
+            <a:ext cx="1590120" cy="1674000"/>
           </a:xfrm>
           <a:prstGeom prst="rect">
             <a:avLst/>
@@ -5605,8 +5489,8 @@
         </p:nvSpPr>
         <p:spPr>
           <a:xfrm>
-            <a:off x="1463040" y="30625920"/>
-            <a:ext cx="11276280" cy="1004040"/>
+            <a:off x="1031040" y="30301920"/>
+            <a:ext cx="11275920" cy="1003680"/>
           </a:xfrm>
           <a:prstGeom prst="rect">
             <a:avLst/>
@@ -5668,7 +5552,7 @@
         <p:spPr>
           <a:xfrm flipH="1">
             <a:off x="17311680" y="38231280"/>
-            <a:ext cx="10209960" cy="729720"/>
+            <a:ext cx="10209600" cy="729360"/>
           </a:xfrm>
           <a:prstGeom prst="foldedCorner">
             <a:avLst>
@@ -5678,22 +5562,17 @@
           <a:solidFill>
             <a:srgbClr val="0070c0"/>
           </a:solidFill>
-          <a:ln>
+          <a:ln w="25560">
+            <a:solidFill>
+              <a:srgbClr val="3a5f8b"/>
+            </a:solidFill>
             <a:round/>
           </a:ln>
         </p:spPr>
         <p:style>
-          <a:lnRef idx="2">
-            <a:schemeClr val="accent1">
-              <a:shade val="50000"/>
-            </a:schemeClr>
-          </a:lnRef>
-          <a:fillRef idx="1">
-            <a:schemeClr val="accent1"/>
-          </a:fillRef>
-          <a:effectRef idx="0">
-            <a:schemeClr val="accent1"/>
-          </a:effectRef>
+          <a:lnRef idx="0"/>
+          <a:fillRef idx="0"/>
+          <a:effectRef idx="0"/>
           <a:fontRef idx="minor"/>
         </p:style>
       </p:sp>
@@ -5706,7 +5585,7 @@
         <p:spPr>
           <a:xfrm>
             <a:off x="17425800" y="38230200"/>
-            <a:ext cx="9841320" cy="638280"/>
+            <a:ext cx="9840960" cy="637920"/>
           </a:xfrm>
           <a:prstGeom prst="rect">
             <a:avLst/>
@@ -5767,8 +5646,8 @@
         </p:nvSpPr>
         <p:spPr>
           <a:xfrm flipH="1">
-            <a:off x="17281440" y="32357520"/>
-            <a:ext cx="10057680" cy="729720"/>
+            <a:off x="17278560" y="32357520"/>
+            <a:ext cx="10057320" cy="729360"/>
           </a:xfrm>
           <a:prstGeom prst="foldedCorner">
             <a:avLst>
@@ -5778,22 +5657,17 @@
           <a:solidFill>
             <a:srgbClr val="0070c0"/>
           </a:solidFill>
-          <a:ln>
+          <a:ln w="25560">
+            <a:solidFill>
+              <a:srgbClr val="3a5f8b"/>
+            </a:solidFill>
             <a:round/>
           </a:ln>
         </p:spPr>
         <p:style>
-          <a:lnRef idx="2">
-            <a:schemeClr val="accent1">
-              <a:shade val="50000"/>
-            </a:schemeClr>
-          </a:lnRef>
-          <a:fillRef idx="1">
-            <a:schemeClr val="accent1"/>
-          </a:fillRef>
-          <a:effectRef idx="0">
-            <a:schemeClr val="accent1"/>
-          </a:effectRef>
+          <a:lnRef idx="0"/>
+          <a:fillRef idx="0"/>
+          <a:effectRef idx="0"/>
           <a:fontRef idx="minor"/>
         </p:style>
       </p:sp>
@@ -5806,7 +5680,7 @@
         <p:spPr>
           <a:xfrm>
             <a:off x="17394120" y="32356440"/>
-            <a:ext cx="9694080" cy="638280"/>
+            <a:ext cx="9693720" cy="637920"/>
           </a:xfrm>
           <a:prstGeom prst="rect">
             <a:avLst/>
@@ -5867,8 +5741,8 @@
         </p:nvSpPr>
         <p:spPr>
           <a:xfrm flipH="1">
-            <a:off x="17372880" y="26505360"/>
-            <a:ext cx="9966240" cy="729720"/>
+            <a:off x="17370000" y="26505360"/>
+            <a:ext cx="9965880" cy="729360"/>
           </a:xfrm>
           <a:prstGeom prst="foldedCorner">
             <a:avLst>
@@ -5878,22 +5752,17 @@
           <a:solidFill>
             <a:srgbClr val="0070c0"/>
           </a:solidFill>
-          <a:ln>
+          <a:ln w="25560">
+            <a:solidFill>
+              <a:srgbClr val="3a5f8b"/>
+            </a:solidFill>
             <a:round/>
           </a:ln>
         </p:spPr>
         <p:style>
-          <a:lnRef idx="2">
-            <a:schemeClr val="accent1">
-              <a:shade val="50000"/>
-            </a:schemeClr>
-          </a:lnRef>
-          <a:fillRef idx="1">
-            <a:schemeClr val="accent1"/>
-          </a:fillRef>
-          <a:effectRef idx="0">
-            <a:schemeClr val="accent1"/>
-          </a:effectRef>
+          <a:lnRef idx="0"/>
+          <a:fillRef idx="0"/>
+          <a:effectRef idx="0"/>
           <a:fontRef idx="minor"/>
         </p:style>
       </p:sp>
@@ -5906,7 +5775,7 @@
         <p:spPr>
           <a:xfrm>
             <a:off x="17484840" y="26504280"/>
-            <a:ext cx="9605880" cy="638280"/>
+            <a:ext cx="9605520" cy="637920"/>
           </a:xfrm>
           <a:prstGeom prst="rect">
             <a:avLst/>
@@ -5967,8 +5836,8 @@
         </p:nvSpPr>
         <p:spPr>
           <a:xfrm>
-            <a:off x="-731520" y="35887680"/>
-            <a:ext cx="14904000" cy="3340080"/>
+            <a:off x="-1199520" y="36211680"/>
+            <a:ext cx="14903640" cy="3339720"/>
           </a:xfrm>
           <a:prstGeom prst="rect">
             <a:avLst/>
@@ -6218,9 +6087,9 @@
               <a:t>Docs: </a:t>
             </a:r>
             <a:r>
-              <a:rPr b="0" lang="en-US" sz="3600" spc="-1" strike="noStrike">
-                <a:solidFill>
-                  <a:srgbClr val="000000"/>
+              <a:rPr b="0" lang="en-US" sz="3600" spc="-1" strike="noStrike" u="sng">
+                <a:solidFill>
+                  <a:srgbClr val="0000ff"/>
                 </a:solidFill>
                 <a:uFill>
                   <a:solidFill>
@@ -6342,8 +6211,8 @@
         </p:nvSpPr>
         <p:spPr>
           <a:xfrm>
-            <a:off x="916200" y="25278840"/>
-            <a:ext cx="13987800" cy="4832280"/>
+            <a:off x="917280" y="24522480"/>
+            <a:ext cx="13987440" cy="190800"/>
           </a:xfrm>
           <a:prstGeom prst="rect">
             <a:avLst/>
@@ -6362,16 +6231,15 @@
         <p:txBody>
           <a:bodyPr lIns="90000" rIns="90000" tIns="45000" bIns="45000"/>
           <a:p>
-            <a:pPr marL="320040" indent="-319320">
+            <a:pPr marL="549720" indent="-548640">
               <a:lnSpc>
                 <a:spcPct val="100000"/>
               </a:lnSpc>
               <a:buClr>
                 <a:srgbClr val="000000"/>
               </a:buClr>
-              <a:buSzPct val="45000"/>
               <a:buFont typeface="Wingdings" charset="2"/>
-              <a:buChar char=""/>
+              <a:buChar char=""/>
             </a:pPr>
             <a:r>
               <a:rPr b="1" lang="en-US" sz="4000" spc="-1" strike="noStrike">
@@ -6386,7 +6254,7 @@
                 <a:latin typeface="Calibri"/>
                 <a:ea typeface="DejaVu Sans"/>
               </a:rPr>
-              <a:t>A modified version of the tool Ontmalizer was created to transform the XML Schemas and XML data was created.</a:t>
+              <a:t>A method to transform OPC UA schemas and instances into ontologies.</a:t>
             </a:r>
             <a:endParaRPr b="0" lang="en-US" sz="1800" spc="-1" strike="noStrike">
               <a:solidFill>
@@ -6401,16 +6269,15 @@
             </a:endParaRPr>
           </a:p>
           <a:p>
-            <a:pPr marL="320040" indent="-319320">
+            <a:pPr marL="549720" indent="-548640">
               <a:lnSpc>
                 <a:spcPct val="100000"/>
               </a:lnSpc>
               <a:buClr>
                 <a:srgbClr val="000000"/>
               </a:buClr>
-              <a:buSzPct val="45000"/>
               <a:buFont typeface="Wingdings" charset="2"/>
-              <a:buChar char=""/>
+              <a:buChar char=""/>
             </a:pPr>
             <a:r>
               <a:rPr b="1" lang="en-US" sz="4000" spc="-1" strike="noStrike">
@@ -6425,7 +6292,38 @@
                 <a:latin typeface="Calibri"/>
                 <a:ea typeface="DejaVu Sans"/>
               </a:rPr>
-              <a:t>Those changes were done taking in account the OPC UA standard.</a:t>
+              <a:t>The above method was created taking advantage of the tool Ontmalizer (</a:t>
+            </a:r>
+            <a:r>
+              <a:rPr b="1" lang="en-US" sz="4000" spc="-1" strike="noStrike">
+                <a:solidFill>
+                  <a:srgbClr val="000000"/>
+                </a:solidFill>
+                <a:uFill>
+                  <a:solidFill>
+                    <a:srgbClr val="ffffff"/>
+                  </a:solidFill>
+                </a:uFill>
+                <a:latin typeface="Calibri"/>
+                <a:ea typeface="DejaVu Sans"/>
+                <a:hlinkClick r:id="rId23"/>
+              </a:rPr>
+              <a:t>http://github.com/srdc/ontmalizer</a:t>
+            </a:r>
+            <a:r>
+              <a:rPr b="1" lang="en-US" sz="4000" spc="-1" strike="noStrike">
+                <a:solidFill>
+                  <a:srgbClr val="000000"/>
+                </a:solidFill>
+                <a:uFill>
+                  <a:solidFill>
+                    <a:srgbClr val="ffffff"/>
+                  </a:solidFill>
+                </a:uFill>
+                <a:latin typeface="Calibri"/>
+                <a:ea typeface="DejaVu Sans"/>
+              </a:rPr>
+              <a:t> ). A modified version was created.</a:t>
             </a:r>
             <a:endParaRPr b="0" lang="en-US" sz="1800" spc="-1" strike="noStrike">
               <a:solidFill>
@@ -6440,16 +6338,15 @@
             </a:endParaRPr>
           </a:p>
           <a:p>
-            <a:pPr marL="320040" indent="-319320">
+            <a:pPr marL="549720" indent="-548640">
               <a:lnSpc>
                 <a:spcPct val="100000"/>
               </a:lnSpc>
               <a:buClr>
                 <a:srgbClr val="000000"/>
               </a:buClr>
-              <a:buSzPct val="45000"/>
               <a:buFont typeface="Wingdings" charset="2"/>
-              <a:buChar char=""/>
+              <a:buChar char=""/>
             </a:pPr>
             <a:r>
               <a:rPr b="1" lang="en-US" sz="4000" spc="-1" strike="noStrike">
@@ -6464,7 +6361,7 @@
                 <a:latin typeface="Calibri"/>
                 <a:ea typeface="DejaVu Sans"/>
               </a:rPr>
-              <a:t>Tests were implemented in server and client application.</a:t>
+              <a:t>To ensure the compliance of requirements tests of the main methods were implemented in server and client application.</a:t>
             </a:r>
             <a:endParaRPr b="0" lang="en-US" sz="1800" spc="-1" strike="noStrike">
               <a:solidFill>
@@ -6479,16 +6376,15 @@
             </a:endParaRPr>
           </a:p>
           <a:p>
-            <a:pPr marL="320040" indent="-319320">
+            <a:pPr marL="549720" indent="-548640">
               <a:lnSpc>
                 <a:spcPct val="100000"/>
               </a:lnSpc>
               <a:buClr>
                 <a:srgbClr val="000000"/>
               </a:buClr>
-              <a:buSzPct val="45000"/>
               <a:buFont typeface="Wingdings" charset="2"/>
-              <a:buChar char=""/>
+              <a:buChar char=""/>
             </a:pPr>
             <a:r>
               <a:rPr b="1" lang="en-US" sz="4000" spc="-1" strike="noStrike">
@@ -6503,7 +6399,7 @@
                 <a:latin typeface="Calibri"/>
                 <a:ea typeface="DejaVu Sans"/>
               </a:rPr>
-              <a:t>A production deployment was done with Docker.</a:t>
+              <a:t>A production deployment was done using Docker.</a:t>
             </a:r>
             <a:endParaRPr b="0" lang="en-US" sz="1800" spc="-1" strike="noStrike">
               <a:solidFill>
@@ -6518,16 +6414,15 @@
             </a:endParaRPr>
           </a:p>
           <a:p>
-            <a:pPr marL="320040" indent="-319320">
+            <a:pPr marL="549720" indent="-548640">
               <a:lnSpc>
                 <a:spcPct val="100000"/>
               </a:lnSpc>
               <a:buClr>
                 <a:srgbClr val="000000"/>
               </a:buClr>
-              <a:buSzPct val="45000"/>
               <a:buFont typeface="Wingdings" charset="2"/>
-              <a:buChar char=""/>
+              <a:buChar char=""/>
             </a:pPr>
             <a:r>
               <a:rPr b="1" lang="en-US" sz="4000" spc="-1" strike="noStrike">
@@ -6542,7 +6437,188 @@
                 <a:latin typeface="Calibri"/>
                 <a:ea typeface="DejaVu Sans"/>
               </a:rPr>
-              <a:t>The project is ready to be improved in later stages.</a:t>
+              <a:t>It is possible to improve the current product in later stages.</a:t>
+            </a:r>
+            <a:endParaRPr b="0" lang="en-US" sz="1800" spc="-1" strike="noStrike">
+              <a:solidFill>
+                <a:srgbClr val="000000"/>
+              </a:solidFill>
+              <a:uFill>
+                <a:solidFill>
+                  <a:srgbClr val="ffffff"/>
+                </a:solidFill>
+              </a:uFill>
+              <a:latin typeface="Arial"/>
+            </a:endParaRPr>
+          </a:p>
+        </p:txBody>
+      </p:sp>
+      <p:sp>
+        <p:nvSpPr>
+          <p:cNvPr id="89" name="CustomShape 34"/>
+          <p:cNvSpPr/>
+          <p:nvPr/>
+        </p:nvSpPr>
+        <p:spPr>
+          <a:xfrm>
+            <a:off x="916200" y="19411200"/>
+            <a:ext cx="13987440" cy="3541320"/>
+          </a:xfrm>
+          <a:prstGeom prst="rect">
+            <a:avLst/>
+          </a:prstGeom>
+          <a:noFill/>
+          <a:ln>
+            <a:noFill/>
+          </a:ln>
+        </p:spPr>
+        <p:style>
+          <a:lnRef idx="0"/>
+          <a:fillRef idx="0"/>
+          <a:effectRef idx="0"/>
+          <a:fontRef idx="minor"/>
+        </p:style>
+        <p:txBody>
+          <a:bodyPr lIns="90000" rIns="90000" tIns="45000" bIns="45000"/>
+          <a:p>
+            <a:pPr marL="549720" indent="-548640">
+              <a:lnSpc>
+                <a:spcPct val="100000"/>
+              </a:lnSpc>
+              <a:buClr>
+                <a:srgbClr val="000000"/>
+              </a:buClr>
+              <a:buFont typeface="Wingdings" charset="2"/>
+              <a:buChar char=""/>
+            </a:pPr>
+            <a:r>
+              <a:rPr b="1" lang="en-US" sz="4000" spc="-1" strike="noStrike">
+                <a:solidFill>
+                  <a:srgbClr val="000000"/>
+                </a:solidFill>
+                <a:uFill>
+                  <a:solidFill>
+                    <a:srgbClr val="ffffff"/>
+                  </a:solidFill>
+                </a:uFill>
+                <a:latin typeface="Calibri"/>
+                <a:ea typeface="DejaVu Sans"/>
+              </a:rPr>
+              <a:t>Few relevant works managing the conversion from the standard into semantic formats.</a:t>
+            </a:r>
+            <a:endParaRPr b="0" lang="en-US" sz="1800" spc="-1" strike="noStrike">
+              <a:solidFill>
+                <a:srgbClr val="000000"/>
+              </a:solidFill>
+              <a:uFill>
+                <a:solidFill>
+                  <a:srgbClr val="ffffff"/>
+                </a:solidFill>
+              </a:uFill>
+              <a:latin typeface="Arial"/>
+            </a:endParaRPr>
+          </a:p>
+          <a:p>
+            <a:pPr marL="549720" indent="-548640">
+              <a:lnSpc>
+                <a:spcPct val="100000"/>
+              </a:lnSpc>
+              <a:buClr>
+                <a:srgbClr val="000000"/>
+              </a:buClr>
+              <a:buFont typeface="Wingdings" charset="2"/>
+              <a:buChar char=""/>
+            </a:pPr>
+            <a:r>
+              <a:rPr b="1" lang="en-US" sz="4000" spc="-1" strike="noStrike">
+                <a:solidFill>
+                  <a:srgbClr val="000000"/>
+                </a:solidFill>
+                <a:uFill>
+                  <a:solidFill>
+                    <a:srgbClr val="ffffff"/>
+                  </a:solidFill>
+                </a:uFill>
+                <a:latin typeface="Calibri"/>
+                <a:ea typeface="DejaVu Sans"/>
+              </a:rPr>
+              <a:t>Understand some details from OPC UA documentation.</a:t>
+            </a:r>
+            <a:endParaRPr b="0" lang="en-US" sz="1800" spc="-1" strike="noStrike">
+              <a:solidFill>
+                <a:srgbClr val="000000"/>
+              </a:solidFill>
+              <a:uFill>
+                <a:solidFill>
+                  <a:srgbClr val="ffffff"/>
+                </a:solidFill>
+              </a:uFill>
+              <a:latin typeface="Arial"/>
+            </a:endParaRPr>
+          </a:p>
+          <a:p>
+            <a:pPr marL="549720" indent="-548640">
+              <a:lnSpc>
+                <a:spcPct val="100000"/>
+              </a:lnSpc>
+              <a:buClr>
+                <a:srgbClr val="000000"/>
+              </a:buClr>
+              <a:buFont typeface="Wingdings" charset="2"/>
+              <a:buChar char=""/>
+            </a:pPr>
+            <a:r>
+              <a:rPr b="1" lang="en-US" sz="4000" spc="-1" strike="noStrike">
+                <a:solidFill>
+                  <a:srgbClr val="000000"/>
+                </a:solidFill>
+                <a:uFill>
+                  <a:solidFill>
+                    <a:srgbClr val="ffffff"/>
+                  </a:solidFill>
+                </a:uFill>
+                <a:latin typeface="Calibri"/>
+                <a:ea typeface="DejaVu Sans"/>
+              </a:rPr>
+              <a:t>The access to the original files was restricted and private. We had few (but enough) material to work with.</a:t>
+            </a:r>
+            <a:endParaRPr b="0" lang="en-US" sz="1800" spc="-1" strike="noStrike">
+              <a:solidFill>
+                <a:srgbClr val="000000"/>
+              </a:solidFill>
+              <a:uFill>
+                <a:solidFill>
+                  <a:srgbClr val="ffffff"/>
+                </a:solidFill>
+              </a:uFill>
+              <a:latin typeface="Arial"/>
+            </a:endParaRPr>
+          </a:p>
+          <a:p>
+            <a:pPr marL="549720" indent="-548640">
+              <a:lnSpc>
+                <a:spcPct val="100000"/>
+              </a:lnSpc>
+              <a:buClr>
+                <a:srgbClr val="000000"/>
+              </a:buClr>
+              <a:buFont typeface="Wingdings" charset="2"/>
+              <a:buChar char=""/>
+            </a:pPr>
+            <a:r>
+              <a:rPr b="1" lang="en-US" sz="4000" spc="-1" strike="noStrike">
+                <a:solidFill>
+                  <a:srgbClr val="000000"/>
+                </a:solidFill>
+                <a:uFill>
+                  <a:solidFill>
+                    <a:srgbClr val="ffffff"/>
+                  </a:solidFill>
+                </a:uFill>
+                <a:latin typeface="Calibri"/>
+                <a:ea typeface="DejaVu Sans"/>
+              </a:rPr>
+              <a:t>Plug different technologies in the front-end and back-end.</a:t>
             </a:r>
             <a:endParaRPr b="0" lang="en-US" sz="1800" spc="-1" strike="noStrike">
               <a:solidFill>

--- a/7poster/poster.pptx
+++ b/7poster/poster.pptx
@@ -64,7 +64,7 @@
         <p:spPr>
           <a:xfrm>
             <a:off x="1513800" y="1707840"/>
-            <a:ext cx="27251280" cy="7147800"/>
+            <a:ext cx="27250920" cy="7147440"/>
           </a:xfrm>
           <a:prstGeom prst="rect">
             <a:avLst/>
@@ -195,7 +195,7 @@
         <p:spPr>
           <a:xfrm>
             <a:off x="1513800" y="1707840"/>
-            <a:ext cx="27251280" cy="7147800"/>
+            <a:ext cx="27250920" cy="7147440"/>
           </a:xfrm>
           <a:prstGeom prst="rect">
             <a:avLst/>
@@ -398,7 +398,7 @@
         <p:spPr>
           <a:xfrm>
             <a:off x="1513800" y="1707840"/>
-            <a:ext cx="27251280" cy="7147800"/>
+            <a:ext cx="27250920" cy="7147440"/>
           </a:xfrm>
           <a:prstGeom prst="rect">
             <a:avLst/>
@@ -575,7 +575,7 @@
         <p:spPr>
           <a:xfrm>
             <a:off x="1513800" y="1707840"/>
-            <a:ext cx="27251280" cy="7147800"/>
+            <a:ext cx="27250920" cy="7147440"/>
           </a:xfrm>
           <a:prstGeom prst="rect">
             <a:avLst/>
@@ -671,7 +671,7 @@
         <p:spPr>
           <a:xfrm>
             <a:off x="1513800" y="1707840"/>
-            <a:ext cx="27251280" cy="7147800"/>
+            <a:ext cx="27250920" cy="7147440"/>
           </a:xfrm>
           <a:prstGeom prst="rect">
             <a:avLst/>
@@ -766,7 +766,7 @@
         <p:spPr>
           <a:xfrm>
             <a:off x="1513800" y="1707840"/>
-            <a:ext cx="27251280" cy="7147800"/>
+            <a:ext cx="27250920" cy="7147440"/>
           </a:xfrm>
           <a:prstGeom prst="rect">
             <a:avLst/>
@@ -897,7 +897,7 @@
         <p:spPr>
           <a:xfrm>
             <a:off x="1513800" y="1707840"/>
-            <a:ext cx="27251280" cy="7147800"/>
+            <a:ext cx="27250920" cy="7147440"/>
           </a:xfrm>
           <a:prstGeom prst="rect">
             <a:avLst/>
@@ -956,7 +956,7 @@
         <p:spPr>
           <a:xfrm>
             <a:off x="1513800" y="1707840"/>
-            <a:ext cx="27251280" cy="33134400"/>
+            <a:ext cx="27250920" cy="33132600"/>
           </a:xfrm>
           <a:prstGeom prst="rect">
             <a:avLst/>
@@ -1015,7 +1015,7 @@
         <p:spPr>
           <a:xfrm>
             <a:off x="1513800" y="1707840"/>
-            <a:ext cx="27251280" cy="7147800"/>
+            <a:ext cx="27250920" cy="7147440"/>
           </a:xfrm>
           <a:prstGeom prst="rect">
             <a:avLst/>
@@ -1182,7 +1182,7 @@
         <p:spPr>
           <a:xfrm>
             <a:off x="1513800" y="1707840"/>
-            <a:ext cx="27251280" cy="7147800"/>
+            <a:ext cx="27250920" cy="7147440"/>
           </a:xfrm>
           <a:prstGeom prst="rect">
             <a:avLst/>
@@ -1349,7 +1349,7 @@
         <p:spPr>
           <a:xfrm>
             <a:off x="1513800" y="1707840"/>
-            <a:ext cx="27251280" cy="7147800"/>
+            <a:ext cx="27250920" cy="7147440"/>
           </a:xfrm>
           <a:prstGeom prst="rect">
             <a:avLst/>
@@ -1579,7 +1579,7 @@
         <p:spPr>
           <a:xfrm>
             <a:off x="1513800" y="1707840"/>
-            <a:ext cx="27251280" cy="7147800"/>
+            <a:ext cx="27250920" cy="7147440"/>
           </a:xfrm>
           <a:prstGeom prst="rect">
             <a:avLst/>
@@ -1589,20 +1589,6 @@
           <a:bodyPr lIns="0" rIns="0" tIns="0" bIns="0" anchor="ctr"/>
           <a:p>
             <a:pPr algn="ctr"/>
-            <a:r>
-              <a:rPr b="0" lang="en-US" sz="4400" spc="-1" strike="noStrike">
-                <a:solidFill>
-                  <a:srgbClr val="000000"/>
-                </a:solidFill>
-                <a:uFill>
-                  <a:solidFill>
-                    <a:srgbClr val="ffffff"/>
-                  </a:solidFill>
-                </a:uFill>
-                <a:latin typeface="Arial"/>
-              </a:rPr>
-              <a:t>Click to edit the title text format</a:t>
-            </a:r>
             <a:endParaRPr b="0" lang="en-US" sz="4400" spc="-1" strike="noStrike">
               <a:solidFill>
                 <a:srgbClr val="000000"/>
@@ -1938,7 +1924,7 @@
         <p:spPr>
           <a:xfrm>
             <a:off x="6384240" y="6480"/>
-            <a:ext cx="21933720" cy="2191320"/>
+            <a:ext cx="21933360" cy="2190960"/>
           </a:xfrm>
           <a:prstGeom prst="rect">
             <a:avLst/>
@@ -2000,7 +1986,7 @@
         <p:spPr>
           <a:xfrm>
             <a:off x="5028480" y="2653560"/>
-            <a:ext cx="24833520" cy="1506960"/>
+            <a:ext cx="24833160" cy="1506600"/>
           </a:xfrm>
           <a:prstGeom prst="rect">
             <a:avLst/>
@@ -2090,7 +2076,7 @@
         <p:spPr>
           <a:xfrm>
             <a:off x="1026360" y="5924160"/>
-            <a:ext cx="12871440" cy="2007000"/>
+            <a:ext cx="12871080" cy="2006640"/>
           </a:xfrm>
           <a:prstGeom prst="rect">
             <a:avLst/>
@@ -2156,7 +2142,7 @@
         <p:spPr>
           <a:xfrm>
             <a:off x="19578600" y="39930480"/>
-            <a:ext cx="8555400" cy="2098800"/>
+            <a:ext cx="8555040" cy="2098440"/>
           </a:xfrm>
           <a:prstGeom prst="rect">
             <a:avLst/>
@@ -2206,7 +2192,7 @@
         <p:spPr>
           <a:xfrm>
             <a:off x="1026360" y="7200360"/>
-            <a:ext cx="11273760" cy="696600"/>
+            <a:ext cx="11273400" cy="696240"/>
           </a:xfrm>
           <a:prstGeom prst="rect">
             <a:avLst/>
@@ -2232,7 +2218,7 @@
         <p:spPr>
           <a:xfrm>
             <a:off x="4509360" y="40060440"/>
-            <a:ext cx="10411200" cy="1716840"/>
+            <a:ext cx="10410840" cy="1716480"/>
           </a:xfrm>
           <a:prstGeom prst="rect">
             <a:avLst/>
@@ -2327,7 +2313,7 @@
         <p:spPr>
           <a:xfrm>
             <a:off x="1098360" y="39512520"/>
-            <a:ext cx="3720960" cy="2304000"/>
+            <a:ext cx="3720600" cy="2303640"/>
           </a:xfrm>
           <a:prstGeom prst="rect">
             <a:avLst/>
@@ -2419,7 +2405,7 @@
         <p:spPr>
           <a:xfrm>
             <a:off x="14356080" y="7178760"/>
-            <a:ext cx="11273760" cy="696600"/>
+            <a:ext cx="11273400" cy="696240"/>
           </a:xfrm>
           <a:prstGeom prst="rect">
             <a:avLst/>
@@ -2445,7 +2431,7 @@
         <p:spPr>
           <a:xfrm>
             <a:off x="14356080" y="7178760"/>
-            <a:ext cx="11273760" cy="696600"/>
+            <a:ext cx="11273400" cy="696240"/>
           </a:xfrm>
           <a:prstGeom prst="rect">
             <a:avLst/>
@@ -2471,7 +2457,7 @@
         <p:spPr>
           <a:xfrm>
             <a:off x="914400" y="23169240"/>
-            <a:ext cx="14849280" cy="1549800"/>
+            <a:ext cx="14848920" cy="1549440"/>
           </a:xfrm>
           <a:prstGeom prst="rect">
             <a:avLst/>
@@ -2533,7 +2519,7 @@
         <p:spPr>
           <a:xfrm>
             <a:off x="15087600" y="12369240"/>
-            <a:ext cx="13987440" cy="2626920"/>
+            <a:ext cx="13987080" cy="2626560"/>
           </a:xfrm>
           <a:prstGeom prst="rect">
             <a:avLst/>
@@ -2552,7 +2538,7 @@
         <p:txBody>
           <a:bodyPr lIns="90000" rIns="90000" tIns="45000" bIns="45000"/>
           <a:p>
-            <a:pPr marL="548640" indent="-548640">
+            <a:pPr marL="548640" indent="-548280">
               <a:lnSpc>
                 <a:spcPct val="100000"/>
               </a:lnSpc>
@@ -2590,7 +2576,7 @@
             </a:endParaRPr>
           </a:p>
           <a:p>
-            <a:pPr marL="548640" indent="-548640">
+            <a:pPr marL="548640" indent="-548280">
               <a:lnSpc>
                 <a:spcPct val="100000"/>
               </a:lnSpc>
@@ -2638,7 +2624,7 @@
         <p:spPr>
           <a:xfrm>
             <a:off x="10425240" y="4070880"/>
-            <a:ext cx="13896000" cy="912600"/>
+            <a:ext cx="13895640" cy="912240"/>
           </a:xfrm>
           <a:prstGeom prst="rect">
             <a:avLst/>
@@ -2704,7 +2690,7 @@
         <p:spPr>
           <a:xfrm>
             <a:off x="1747800" y="1576080"/>
-            <a:ext cx="2803680" cy="2514600"/>
+            <a:ext cx="2803320" cy="2514240"/>
           </a:xfrm>
           <a:prstGeom prst="rect">
             <a:avLst/>
@@ -2727,7 +2713,7 @@
         <p:spPr>
           <a:xfrm>
             <a:off x="1535040" y="14253120"/>
-            <a:ext cx="5205960" cy="2925000"/>
+            <a:ext cx="5205600" cy="2924640"/>
           </a:xfrm>
           <a:prstGeom prst="rect">
             <a:avLst/>
@@ -2750,7 +2736,7 @@
         <p:spPr>
           <a:xfrm>
             <a:off x="5841000" y="12845520"/>
-            <a:ext cx="8349840" cy="4912200"/>
+            <a:ext cx="8349480" cy="4911840"/>
           </a:xfrm>
           <a:prstGeom prst="rect">
             <a:avLst/>
@@ -2769,7 +2755,7 @@
         <p:spPr>
           <a:xfrm flipH="1">
             <a:off x="842760" y="7327800"/>
-            <a:ext cx="13074840" cy="5124600"/>
+            <a:ext cx="13074480" cy="5124240"/>
           </a:xfrm>
           <a:prstGeom prst="foldedCorner">
             <a:avLst>
@@ -2833,7 +2819,7 @@
             </a:endParaRPr>
           </a:p>
           <a:p>
-            <a:pPr marL="571680" indent="-570240" algn="just">
+            <a:pPr marL="571680" indent="-569880" algn="just">
               <a:lnSpc>
                 <a:spcPct val="100000"/>
               </a:lnSpc>
@@ -2871,7 +2857,7 @@
             </a:endParaRPr>
           </a:p>
           <a:p>
-            <a:pPr marL="571680" indent="-570240" algn="just">
+            <a:pPr marL="571680" indent="-569880" algn="just">
               <a:lnSpc>
                 <a:spcPct val="100000"/>
               </a:lnSpc>
@@ -2909,7 +2895,7 @@
             </a:endParaRPr>
           </a:p>
           <a:p>
-            <a:pPr marL="571680" indent="-570240" algn="just">
+            <a:pPr marL="571680" indent="-569880" algn="just">
               <a:lnSpc>
                 <a:spcPct val="100000"/>
               </a:lnSpc>
@@ -2957,7 +2943,7 @@
         <p:spPr>
           <a:xfrm flipH="1">
             <a:off x="15156000" y="7301880"/>
-            <a:ext cx="14125320" cy="3560040"/>
+            <a:ext cx="14124960" cy="3559680"/>
           </a:xfrm>
           <a:prstGeom prst="foldedCorner">
             <a:avLst>
@@ -3003,7 +2989,7 @@
             </a:endParaRPr>
           </a:p>
           <a:p>
-            <a:pPr marL="571680" indent="-570240" algn="just">
+            <a:pPr marL="571680" indent="-569880" algn="just">
               <a:lnSpc>
                 <a:spcPct val="100000"/>
               </a:lnSpc>
@@ -3041,7 +3027,7 @@
             </a:endParaRPr>
           </a:p>
           <a:p>
-            <a:pPr marL="571680" indent="-570240" algn="just">
+            <a:pPr marL="571680" indent="-569880" algn="just">
               <a:lnSpc>
                 <a:spcPct val="100000"/>
               </a:lnSpc>
@@ -3089,7 +3075,7 @@
         <p:spPr>
           <a:xfrm>
             <a:off x="15138360" y="6008040"/>
-            <a:ext cx="14121360" cy="1905120"/>
+            <a:ext cx="14121000" cy="1904760"/>
           </a:xfrm>
           <a:prstGeom prst="rect">
             <a:avLst/>
@@ -3151,7 +3137,7 @@
         <p:spPr>
           <a:xfrm>
             <a:off x="842400" y="17890200"/>
-            <a:ext cx="14849280" cy="2007000"/>
+            <a:ext cx="14848920" cy="2006640"/>
           </a:xfrm>
           <a:prstGeom prst="rect">
             <a:avLst/>
@@ -3217,7 +3203,7 @@
         <p:spPr>
           <a:xfrm>
             <a:off x="17965440" y="15212880"/>
-            <a:ext cx="8800920" cy="5813280"/>
+            <a:ext cx="8800560" cy="5812920"/>
           </a:xfrm>
           <a:prstGeom prst="rect">
             <a:avLst/>
@@ -3240,7 +3226,7 @@
         <p:spPr>
           <a:xfrm>
             <a:off x="26980560" y="17274600"/>
-            <a:ext cx="2122560" cy="1083240"/>
+            <a:ext cx="2122200" cy="1082880"/>
           </a:xfrm>
           <a:prstGeom prst="rect">
             <a:avLst/>
@@ -3263,7 +3249,7 @@
         <p:spPr>
           <a:xfrm>
             <a:off x="27127440" y="18789480"/>
-            <a:ext cx="1852560" cy="1419480"/>
+            <a:ext cx="1852200" cy="1419120"/>
           </a:xfrm>
           <a:prstGeom prst="rect">
             <a:avLst/>
@@ -3286,7 +3272,7 @@
         <p:spPr>
           <a:xfrm>
             <a:off x="26942040" y="15447960"/>
-            <a:ext cx="2281680" cy="1279080"/>
+            <a:ext cx="2281320" cy="1278720"/>
           </a:xfrm>
           <a:prstGeom prst="rect">
             <a:avLst/>
@@ -3309,7 +3295,7 @@
         <p:spPr>
           <a:xfrm>
             <a:off x="26802000" y="20005920"/>
-            <a:ext cx="2338920" cy="1753200"/>
+            <a:ext cx="2338560" cy="1752840"/>
           </a:xfrm>
           <a:prstGeom prst="rect">
             <a:avLst/>
@@ -3332,7 +3318,7 @@
         <p:spPr>
           <a:xfrm>
             <a:off x="15436800" y="19538280"/>
-            <a:ext cx="2923920" cy="1521000"/>
+            <a:ext cx="2923560" cy="1520640"/>
           </a:xfrm>
           <a:prstGeom prst="rect">
             <a:avLst/>
@@ -3355,7 +3341,7 @@
         <p:spPr>
           <a:xfrm>
             <a:off x="15583680" y="18119160"/>
-            <a:ext cx="1187640" cy="1107720"/>
+            <a:ext cx="1187280" cy="1107360"/>
           </a:xfrm>
           <a:prstGeom prst="rect">
             <a:avLst/>
@@ -3378,7 +3364,7 @@
         <p:spPr>
           <a:xfrm>
             <a:off x="15377400" y="16759080"/>
-            <a:ext cx="2072880" cy="988200"/>
+            <a:ext cx="2072520" cy="987840"/>
           </a:xfrm>
           <a:prstGeom prst="rect">
             <a:avLst/>
@@ -3401,7 +3387,7 @@
         <p:spPr>
           <a:xfrm>
             <a:off x="15462360" y="15384600"/>
-            <a:ext cx="2151360" cy="1074240"/>
+            <a:ext cx="2151000" cy="1073880"/>
           </a:xfrm>
           <a:prstGeom prst="rect">
             <a:avLst/>
@@ -3420,7 +3406,7 @@
         <p:spPr>
           <a:xfrm>
             <a:off x="15087600" y="10945080"/>
-            <a:ext cx="14172120" cy="1413000"/>
+            <a:ext cx="14171760" cy="1412640"/>
           </a:xfrm>
           <a:prstGeom prst="rect">
             <a:avLst/>
@@ -3486,7 +3472,7 @@
         <p:spPr>
           <a:xfrm>
             <a:off x="17547840" y="21688200"/>
-            <a:ext cx="10331640" cy="5393880"/>
+            <a:ext cx="10331280" cy="5393520"/>
           </a:xfrm>
           <a:prstGeom prst="rect">
             <a:avLst/>
@@ -3509,7 +3495,7 @@
         <p:spPr>
           <a:xfrm>
             <a:off x="17550720" y="27460800"/>
-            <a:ext cx="10423080" cy="5393880"/>
+            <a:ext cx="10422720" cy="5393520"/>
           </a:xfrm>
           <a:prstGeom prst="rect">
             <a:avLst/>
@@ -3532,7 +3518,7 @@
         <p:spPr>
           <a:xfrm>
             <a:off x="17495280" y="33303240"/>
-            <a:ext cx="10514520" cy="5393880"/>
+            <a:ext cx="10514160" cy="5393520"/>
           </a:xfrm>
           <a:prstGeom prst="rect">
             <a:avLst/>
@@ -3551,7 +3537,7 @@
         <p:spPr>
           <a:xfrm>
             <a:off x="27223920" y="26282520"/>
-            <a:ext cx="1958040" cy="1966680"/>
+            <a:ext cx="1957680" cy="1966320"/>
           </a:xfrm>
           <a:custGeom>
             <a:avLst/>
@@ -4152,7 +4138,7 @@
         <p:spPr>
           <a:xfrm>
             <a:off x="27224280" y="32125680"/>
-            <a:ext cx="1958040" cy="1966680"/>
+            <a:ext cx="1957680" cy="1966320"/>
           </a:xfrm>
           <a:custGeom>
             <a:avLst/>
@@ -4753,7 +4739,7 @@
         <p:spPr>
           <a:xfrm>
             <a:off x="-1124640" y="31122720"/>
-            <a:ext cx="14537880" cy="3215520"/>
+            <a:ext cx="14537520" cy="3215160"/>
           </a:xfrm>
           <a:prstGeom prst="rect">
             <a:avLst/>
@@ -5075,8 +5061,8 @@
         </p:nvSpPr>
         <p:spPr>
           <a:xfrm flipH="1">
-            <a:off x="8204400" y="34374960"/>
-            <a:ext cx="5398560" cy="1798560"/>
+            <a:off x="8203680" y="34374960"/>
+            <a:ext cx="5398200" cy="1798200"/>
           </a:xfrm>
           <a:prstGeom prst="foldedCorner">
             <a:avLst>
@@ -5109,7 +5095,7 @@
         <p:spPr>
           <a:xfrm>
             <a:off x="8481240" y="34409880"/>
-            <a:ext cx="5203800" cy="1688400"/>
+            <a:ext cx="5203440" cy="1688040"/>
           </a:xfrm>
           <a:prstGeom prst="rect">
             <a:avLst/>
@@ -5182,7 +5168,7 @@
               <a:t>Partner ID: </a:t>
             </a:r>
             <a:r>
-              <a:rPr b="1" lang="en-US" sz="2800" spc="-1" strike="noStrike">
+              <a:rPr b="1" lang="en-US" sz="3200" spc="-1" strike="noStrike">
                 <a:solidFill>
                   <a:srgbClr val="f79646"/>
                 </a:solidFill>
@@ -5194,7 +5180,7 @@
                 <a:latin typeface="Calibri"/>
                 <a:ea typeface="DejaVu Sans"/>
               </a:rPr>
-              <a:t>905 399 395</a:t>
+              <a:t>873 887 809</a:t>
             </a:r>
             <a:r>
               <a:rPr b="0" lang="en-US" sz="2800" spc="-1" strike="noStrike">
@@ -5263,8 +5249,8 @@
         </p:nvSpPr>
         <p:spPr>
           <a:xfrm flipH="1">
-            <a:off x="2696400" y="34338240"/>
-            <a:ext cx="5326560" cy="1798560"/>
+            <a:off x="2695680" y="34338240"/>
+            <a:ext cx="5326200" cy="1798200"/>
           </a:xfrm>
           <a:prstGeom prst="foldedCorner">
             <a:avLst>
@@ -5448,7 +5434,7 @@
         <p:spPr>
           <a:xfrm>
             <a:off x="8370720" y="34770600"/>
-            <a:ext cx="691200" cy="682560"/>
+            <a:ext cx="690840" cy="682200"/>
           </a:xfrm>
           <a:prstGeom prst="rect">
             <a:avLst/>
@@ -5471,7 +5457,7 @@
         <p:spPr>
           <a:xfrm>
             <a:off x="992160" y="34421040"/>
-            <a:ext cx="1590120" cy="1674000"/>
+            <a:ext cx="1589760" cy="1673640"/>
           </a:xfrm>
           <a:prstGeom prst="rect">
             <a:avLst/>
@@ -5490,7 +5476,7 @@
         <p:spPr>
           <a:xfrm>
             <a:off x="1031040" y="30301920"/>
-            <a:ext cx="11275920" cy="1003680"/>
+            <a:ext cx="11275560" cy="1003320"/>
           </a:xfrm>
           <a:prstGeom prst="rect">
             <a:avLst/>
@@ -5551,8 +5537,8 @@
         </p:nvSpPr>
         <p:spPr>
           <a:xfrm flipH="1">
-            <a:off x="17311680" y="38231280"/>
-            <a:ext cx="10209600" cy="729360"/>
+            <a:off x="17310960" y="38231280"/>
+            <a:ext cx="10209240" cy="729000"/>
           </a:xfrm>
           <a:prstGeom prst="foldedCorner">
             <a:avLst>
@@ -5585,7 +5571,7 @@
         <p:spPr>
           <a:xfrm>
             <a:off x="17425800" y="38230200"/>
-            <a:ext cx="9840960" cy="637920"/>
+            <a:ext cx="9840600" cy="637560"/>
           </a:xfrm>
           <a:prstGeom prst="rect">
             <a:avLst/>
@@ -5647,7 +5633,7 @@
         <p:spPr>
           <a:xfrm flipH="1">
             <a:off x="17278560" y="32357520"/>
-            <a:ext cx="10057320" cy="729360"/>
+            <a:ext cx="10056960" cy="729000"/>
           </a:xfrm>
           <a:prstGeom prst="foldedCorner">
             <a:avLst>
@@ -5680,7 +5666,7 @@
         <p:spPr>
           <a:xfrm>
             <a:off x="17394120" y="32356440"/>
-            <a:ext cx="9693720" cy="637920"/>
+            <a:ext cx="9693360" cy="637560"/>
           </a:xfrm>
           <a:prstGeom prst="rect">
             <a:avLst/>
@@ -5742,7 +5728,7 @@
         <p:spPr>
           <a:xfrm flipH="1">
             <a:off x="17370000" y="26505360"/>
-            <a:ext cx="9965880" cy="729360"/>
+            <a:ext cx="9965520" cy="729000"/>
           </a:xfrm>
           <a:prstGeom prst="foldedCorner">
             <a:avLst>
@@ -5775,7 +5761,7 @@
         <p:spPr>
           <a:xfrm>
             <a:off x="17484840" y="26504280"/>
-            <a:ext cx="9605520" cy="637920"/>
+            <a:ext cx="9605160" cy="637560"/>
           </a:xfrm>
           <a:prstGeom prst="rect">
             <a:avLst/>
@@ -5837,7 +5823,7 @@
         <p:spPr>
           <a:xfrm>
             <a:off x="-1199520" y="36211680"/>
-            <a:ext cx="14903640" cy="3339720"/>
+            <a:ext cx="14903280" cy="3339360"/>
           </a:xfrm>
           <a:prstGeom prst="rect">
             <a:avLst/>
@@ -6212,7 +6198,7 @@
         <p:spPr>
           <a:xfrm>
             <a:off x="917280" y="24522480"/>
-            <a:ext cx="13987440" cy="190800"/>
+            <a:ext cx="13987080" cy="190440"/>
           </a:xfrm>
           <a:prstGeom prst="rect">
             <a:avLst/>
@@ -6231,7 +6217,7 @@
         <p:txBody>
           <a:bodyPr lIns="90000" rIns="90000" tIns="45000" bIns="45000"/>
           <a:p>
-            <a:pPr marL="549720" indent="-548640">
+            <a:pPr marL="549720" indent="-548280">
               <a:lnSpc>
                 <a:spcPct val="100000"/>
               </a:lnSpc>
@@ -6269,7 +6255,7 @@
             </a:endParaRPr>
           </a:p>
           <a:p>
-            <a:pPr marL="549720" indent="-548640">
+            <a:pPr marL="549720" indent="-548280">
               <a:lnSpc>
                 <a:spcPct val="100000"/>
               </a:lnSpc>
@@ -6295,9 +6281,9 @@
               <a:t>The above method was created taking advantage of the tool Ontmalizer (</a:t>
             </a:r>
             <a:r>
-              <a:rPr b="1" lang="en-US" sz="4000" spc="-1" strike="noStrike">
-                <a:solidFill>
-                  <a:srgbClr val="000000"/>
+              <a:rPr b="1" lang="en-US" sz="4000" spc="-1" strike="noStrike" u="sng">
+                <a:solidFill>
+                  <a:srgbClr val="0000ff"/>
                 </a:solidFill>
                 <a:uFill>
                   <a:solidFill>
@@ -6338,7 +6324,7 @@
             </a:endParaRPr>
           </a:p>
           <a:p>
-            <a:pPr marL="549720" indent="-548640">
+            <a:pPr marL="549720" indent="-548280">
               <a:lnSpc>
                 <a:spcPct val="100000"/>
               </a:lnSpc>
@@ -6376,7 +6362,7 @@
             </a:endParaRPr>
           </a:p>
           <a:p>
-            <a:pPr marL="549720" indent="-548640">
+            <a:pPr marL="549720" indent="-548280">
               <a:lnSpc>
                 <a:spcPct val="100000"/>
               </a:lnSpc>
@@ -6414,7 +6400,7 @@
             </a:endParaRPr>
           </a:p>
           <a:p>
-            <a:pPr marL="549720" indent="-548640">
+            <a:pPr marL="549720" indent="-548280">
               <a:lnSpc>
                 <a:spcPct val="100000"/>
               </a:lnSpc>
@@ -6462,7 +6448,7 @@
         <p:spPr>
           <a:xfrm>
             <a:off x="916200" y="19411200"/>
-            <a:ext cx="13987440" cy="3541320"/>
+            <a:ext cx="13987080" cy="3540960"/>
           </a:xfrm>
           <a:prstGeom prst="rect">
             <a:avLst/>
@@ -6481,7 +6467,7 @@
         <p:txBody>
           <a:bodyPr lIns="90000" rIns="90000" tIns="45000" bIns="45000"/>
           <a:p>
-            <a:pPr marL="549720" indent="-548640">
+            <a:pPr marL="549720" indent="-548280">
               <a:lnSpc>
                 <a:spcPct val="100000"/>
               </a:lnSpc>
@@ -6519,7 +6505,7 @@
             </a:endParaRPr>
           </a:p>
           <a:p>
-            <a:pPr marL="549720" indent="-548640">
+            <a:pPr marL="549720" indent="-548280">
               <a:lnSpc>
                 <a:spcPct val="100000"/>
               </a:lnSpc>
@@ -6557,7 +6543,7 @@
             </a:endParaRPr>
           </a:p>
           <a:p>
-            <a:pPr marL="549720" indent="-548640">
+            <a:pPr marL="549720" indent="-548280">
               <a:lnSpc>
                 <a:spcPct val="100000"/>
               </a:lnSpc>
@@ -6595,7 +6581,7 @@
             </a:endParaRPr>
           </a:p>
           <a:p>
-            <a:pPr marL="549720" indent="-548640">
+            <a:pPr marL="549720" indent="-548280">
               <a:lnSpc>
                 <a:spcPct val="100000"/>
               </a:lnSpc>
